--- a/Dokumen/Diagrams.pptx
+++ b/Dokumen/Diagrams.pptx
@@ -2,12 +2,14 @@
 <file path=ppt/presentation.xml><?xml version="1.0" encoding="utf-8"?>
 <p:presentation xmlns:a="http://schemas.openxmlformats.org/drawingml/2006/main" xmlns:r="http://schemas.openxmlformats.org/officeDocument/2006/relationships" xmlns:p="http://schemas.openxmlformats.org/presentationml/2006/main" saveSubsetFonts="1">
   <p:sldMasterIdLst>
-    <p:sldMasterId id="2147483648" r:id="rId1"/>
+    <p:sldMasterId id="2147483696" r:id="rId1"/>
   </p:sldMasterIdLst>
   <p:sldIdLst>
     <p:sldId id="256" r:id="rId2"/>
+    <p:sldId id="258" r:id="rId3"/>
+    <p:sldId id="257" r:id="rId4"/>
   </p:sldIdLst>
-  <p:sldSz cx="12192000" cy="6858000"/>
+  <p:sldSz cx="18562638" cy="18288000"/>
   <p:notesSz cx="6858000" cy="9144000"/>
   <p:defaultTextStyle>
     <a:defPPr>
@@ -141,15 +143,15 @@
         </p:nvSpPr>
         <p:spPr>
           <a:xfrm>
-            <a:off x="1524000" y="1122363"/>
-            <a:ext cx="9144000" cy="2387600"/>
+            <a:off x="1392198" y="2992968"/>
+            <a:ext cx="15778242" cy="6366933"/>
           </a:xfrm>
         </p:spPr>
         <p:txBody>
           <a:bodyPr anchor="b"/>
           <a:lstStyle>
             <a:lvl1pPr algn="ctr">
-              <a:defRPr sz="6000"/>
+              <a:defRPr sz="12180"/>
             </a:lvl1pPr>
           </a:lstStyle>
           <a:p>
@@ -157,7 +159,7 @@
               <a:rPr lang="en-US" smtClean="0"/>
               <a:t>Click to edit Master title style</a:t>
             </a:r>
-            <a:endParaRPr lang="en-US"/>
+            <a:endParaRPr lang="en-US" dirty="0"/>
           </a:p>
         </p:txBody>
       </p:sp>
@@ -173,8 +175,8 @@
         </p:nvSpPr>
         <p:spPr>
           <a:xfrm>
-            <a:off x="1524000" y="3602038"/>
-            <a:ext cx="9144000" cy="1655762"/>
+            <a:off x="2320330" y="9605435"/>
+            <a:ext cx="13921979" cy="4415365"/>
           </a:xfrm>
         </p:spPr>
         <p:txBody>
@@ -182,39 +184,39 @@
           <a:lstStyle>
             <a:lvl1pPr marL="0" indent="0" algn="ctr">
               <a:buNone/>
-              <a:defRPr sz="2400"/>
+              <a:defRPr sz="4872"/>
             </a:lvl1pPr>
-            <a:lvl2pPr marL="457200" indent="0" algn="ctr">
-              <a:buNone/>
-              <a:defRPr sz="2000"/>
+            <a:lvl2pPr marL="928116" indent="0" algn="ctr">
+              <a:buNone/>
+              <a:defRPr sz="4060"/>
             </a:lvl2pPr>
-            <a:lvl3pPr marL="914400" indent="0" algn="ctr">
-              <a:buNone/>
-              <a:defRPr sz="1800"/>
+            <a:lvl3pPr marL="1856232" indent="0" algn="ctr">
+              <a:buNone/>
+              <a:defRPr sz="3654"/>
             </a:lvl3pPr>
-            <a:lvl4pPr marL="1371600" indent="0" algn="ctr">
-              <a:buNone/>
-              <a:defRPr sz="1600"/>
+            <a:lvl4pPr marL="2784348" indent="0" algn="ctr">
+              <a:buNone/>
+              <a:defRPr sz="3248"/>
             </a:lvl4pPr>
-            <a:lvl5pPr marL="1828800" indent="0" algn="ctr">
-              <a:buNone/>
-              <a:defRPr sz="1600"/>
+            <a:lvl5pPr marL="3712464" indent="0" algn="ctr">
+              <a:buNone/>
+              <a:defRPr sz="3248"/>
             </a:lvl5pPr>
-            <a:lvl6pPr marL="2286000" indent="0" algn="ctr">
-              <a:buNone/>
-              <a:defRPr sz="1600"/>
+            <a:lvl6pPr marL="4640580" indent="0" algn="ctr">
+              <a:buNone/>
+              <a:defRPr sz="3248"/>
             </a:lvl6pPr>
-            <a:lvl7pPr marL="2743200" indent="0" algn="ctr">
-              <a:buNone/>
-              <a:defRPr sz="1600"/>
+            <a:lvl7pPr marL="5568696" indent="0" algn="ctr">
+              <a:buNone/>
+              <a:defRPr sz="3248"/>
             </a:lvl7pPr>
-            <a:lvl8pPr marL="3200400" indent="0" algn="ctr">
-              <a:buNone/>
-              <a:defRPr sz="1600"/>
+            <a:lvl8pPr marL="6496812" indent="0" algn="ctr">
+              <a:buNone/>
+              <a:defRPr sz="3248"/>
             </a:lvl8pPr>
-            <a:lvl9pPr marL="3657600" indent="0" algn="ctr">
-              <a:buNone/>
-              <a:defRPr sz="1600"/>
+            <a:lvl9pPr marL="7424928" indent="0" algn="ctr">
+              <a:buNone/>
+              <a:defRPr sz="3248"/>
             </a:lvl9pPr>
           </a:lstStyle>
           <a:p>
@@ -222,7 +224,7 @@
               <a:rPr lang="en-US" smtClean="0"/>
               <a:t>Click to edit Master subtitle style</a:t>
             </a:r>
-            <a:endParaRPr lang="en-US"/>
+            <a:endParaRPr lang="en-US" dirty="0"/>
           </a:p>
         </p:txBody>
       </p:sp>
@@ -243,7 +245,7 @@
           <a:p>
             <a:fld id="{3EF9C5D0-C7EC-4BDF-A7D4-9223B534923B}" type="datetimeFigureOut">
               <a:rPr lang="en-US" smtClean="0"/>
-              <a:t>10/20/2015</a:t>
+              <a:t>12/19/2015</a:t>
             </a:fld>
             <a:endParaRPr lang="en-US"/>
           </a:p>
@@ -294,7 +296,7 @@
     </p:spTree>
     <p:extLst>
       <p:ext uri="{BB962C8B-B14F-4D97-AF65-F5344CB8AC3E}">
-        <p14:creationId xmlns:p14="http://schemas.microsoft.com/office/powerpoint/2010/main" val="4067270801"/>
+        <p14:creationId xmlns:p14="http://schemas.microsoft.com/office/powerpoint/2010/main" val="4079524306"/>
       </p:ext>
     </p:extLst>
   </p:cSld>
@@ -340,7 +342,7 @@
               <a:rPr lang="en-US" smtClean="0"/>
               <a:t>Click to edit Master title style</a:t>
             </a:r>
-            <a:endParaRPr lang="en-US"/>
+            <a:endParaRPr lang="en-US" dirty="0"/>
           </a:p>
         </p:txBody>
       </p:sp>
@@ -392,7 +394,7 @@
               <a:rPr lang="en-US" smtClean="0"/>
               <a:t>Fifth level</a:t>
             </a:r>
-            <a:endParaRPr lang="en-US"/>
+            <a:endParaRPr lang="en-US" dirty="0"/>
           </a:p>
         </p:txBody>
       </p:sp>
@@ -413,7 +415,7 @@
           <a:p>
             <a:fld id="{3EF9C5D0-C7EC-4BDF-A7D4-9223B534923B}" type="datetimeFigureOut">
               <a:rPr lang="en-US" smtClean="0"/>
-              <a:t>10/20/2015</a:t>
+              <a:t>12/19/2015</a:t>
             </a:fld>
             <a:endParaRPr lang="en-US"/>
           </a:p>
@@ -464,7 +466,7 @@
     </p:spTree>
     <p:extLst>
       <p:ext uri="{BB962C8B-B14F-4D97-AF65-F5344CB8AC3E}">
-        <p14:creationId xmlns:p14="http://schemas.microsoft.com/office/powerpoint/2010/main" val="42472422"/>
+        <p14:creationId xmlns:p14="http://schemas.microsoft.com/office/powerpoint/2010/main" val="557561204"/>
       </p:ext>
     </p:extLst>
   </p:cSld>
@@ -503,8 +505,8 @@
         </p:nvSpPr>
         <p:spPr>
           <a:xfrm>
-            <a:off x="8724900" y="365125"/>
-            <a:ext cx="2628900" cy="5811838"/>
+            <a:off x="13283889" y="973667"/>
+            <a:ext cx="4002569" cy="15498235"/>
           </a:xfrm>
         </p:spPr>
         <p:txBody>
@@ -515,7 +517,7 @@
               <a:rPr lang="en-US" smtClean="0"/>
               <a:t>Click to edit Master title style</a:t>
             </a:r>
-            <a:endParaRPr lang="en-US"/>
+            <a:endParaRPr lang="en-US" dirty="0"/>
           </a:p>
         </p:txBody>
       </p:sp>
@@ -531,8 +533,8 @@
         </p:nvSpPr>
         <p:spPr>
           <a:xfrm>
-            <a:off x="838200" y="365125"/>
-            <a:ext cx="7734300" cy="5811838"/>
+            <a:off x="1276183" y="973667"/>
+            <a:ext cx="11775673" cy="15498235"/>
           </a:xfrm>
         </p:spPr>
         <p:txBody>
@@ -572,7 +574,7 @@
               <a:rPr lang="en-US" smtClean="0"/>
               <a:t>Fifth level</a:t>
             </a:r>
-            <a:endParaRPr lang="en-US"/>
+            <a:endParaRPr lang="en-US" dirty="0"/>
           </a:p>
         </p:txBody>
       </p:sp>
@@ -593,7 +595,7 @@
           <a:p>
             <a:fld id="{3EF9C5D0-C7EC-4BDF-A7D4-9223B534923B}" type="datetimeFigureOut">
               <a:rPr lang="en-US" smtClean="0"/>
-              <a:t>10/20/2015</a:t>
+              <a:t>12/19/2015</a:t>
             </a:fld>
             <a:endParaRPr lang="en-US"/>
           </a:p>
@@ -644,7 +646,7 @@
     </p:spTree>
     <p:extLst>
       <p:ext uri="{BB962C8B-B14F-4D97-AF65-F5344CB8AC3E}">
-        <p14:creationId xmlns:p14="http://schemas.microsoft.com/office/powerpoint/2010/main" val="1660297965"/>
+        <p14:creationId xmlns:p14="http://schemas.microsoft.com/office/powerpoint/2010/main" val="2891884287"/>
       </p:ext>
     </p:extLst>
   </p:cSld>
@@ -690,7 +692,7 @@
               <a:rPr lang="en-US" smtClean="0"/>
               <a:t>Click to edit Master title style</a:t>
             </a:r>
-            <a:endParaRPr lang="en-US"/>
+            <a:endParaRPr lang="en-US" dirty="0"/>
           </a:p>
         </p:txBody>
       </p:sp>
@@ -742,7 +744,7 @@
               <a:rPr lang="en-US" smtClean="0"/>
               <a:t>Fifth level</a:t>
             </a:r>
-            <a:endParaRPr lang="en-US"/>
+            <a:endParaRPr lang="en-US" dirty="0"/>
           </a:p>
         </p:txBody>
       </p:sp>
@@ -763,7 +765,7 @@
           <a:p>
             <a:fld id="{3EF9C5D0-C7EC-4BDF-A7D4-9223B534923B}" type="datetimeFigureOut">
               <a:rPr lang="en-US" smtClean="0"/>
-              <a:t>10/20/2015</a:t>
+              <a:t>12/19/2015</a:t>
             </a:fld>
             <a:endParaRPr lang="en-US"/>
           </a:p>
@@ -814,7 +816,7 @@
     </p:spTree>
     <p:extLst>
       <p:ext uri="{BB962C8B-B14F-4D97-AF65-F5344CB8AC3E}">
-        <p14:creationId xmlns:p14="http://schemas.microsoft.com/office/powerpoint/2010/main" val="3713882991"/>
+        <p14:creationId xmlns:p14="http://schemas.microsoft.com/office/powerpoint/2010/main" val="3056291864"/>
       </p:ext>
     </p:extLst>
   </p:cSld>
@@ -853,15 +855,15 @@
         </p:nvSpPr>
         <p:spPr>
           <a:xfrm>
-            <a:off x="831850" y="1709738"/>
-            <a:ext cx="10515600" cy="2852737"/>
+            <a:off x="1266514" y="4559305"/>
+            <a:ext cx="16010275" cy="7607299"/>
           </a:xfrm>
         </p:spPr>
         <p:txBody>
           <a:bodyPr anchor="b"/>
           <a:lstStyle>
             <a:lvl1pPr>
-              <a:defRPr sz="6000"/>
+              <a:defRPr sz="12180"/>
             </a:lvl1pPr>
           </a:lstStyle>
           <a:p>
@@ -869,7 +871,7 @@
               <a:rPr lang="en-US" smtClean="0"/>
               <a:t>Click to edit Master title style</a:t>
             </a:r>
-            <a:endParaRPr lang="en-US"/>
+            <a:endParaRPr lang="en-US" dirty="0"/>
           </a:p>
         </p:txBody>
       </p:sp>
@@ -885,8 +887,8 @@
         </p:nvSpPr>
         <p:spPr>
           <a:xfrm>
-            <a:off x="831850" y="4589463"/>
-            <a:ext cx="10515600" cy="1500187"/>
+            <a:off x="1266514" y="12238572"/>
+            <a:ext cx="16010275" cy="4000499"/>
           </a:xfrm>
         </p:spPr>
         <p:txBody>
@@ -894,17 +896,15 @@
           <a:lstStyle>
             <a:lvl1pPr marL="0" indent="0">
               <a:buNone/>
-              <a:defRPr sz="2400">
+              <a:defRPr sz="4872">
                 <a:solidFill>
-                  <a:schemeClr val="tx1">
-                    <a:tint val="75000"/>
-                  </a:schemeClr>
+                  <a:schemeClr val="tx1"/>
                 </a:solidFill>
               </a:defRPr>
             </a:lvl1pPr>
-            <a:lvl2pPr marL="457200" indent="0">
-              <a:buNone/>
-              <a:defRPr sz="2000">
+            <a:lvl2pPr marL="928116" indent="0">
+              <a:buNone/>
+              <a:defRPr sz="4060">
                 <a:solidFill>
                   <a:schemeClr val="tx1">
                     <a:tint val="75000"/>
@@ -912,9 +912,9 @@
                 </a:solidFill>
               </a:defRPr>
             </a:lvl2pPr>
-            <a:lvl3pPr marL="914400" indent="0">
-              <a:buNone/>
-              <a:defRPr sz="1800">
+            <a:lvl3pPr marL="1856232" indent="0">
+              <a:buNone/>
+              <a:defRPr sz="3654">
                 <a:solidFill>
                   <a:schemeClr val="tx1">
                     <a:tint val="75000"/>
@@ -922,9 +922,9 @@
                 </a:solidFill>
               </a:defRPr>
             </a:lvl3pPr>
-            <a:lvl4pPr marL="1371600" indent="0">
-              <a:buNone/>
-              <a:defRPr sz="1600">
+            <a:lvl4pPr marL="2784348" indent="0">
+              <a:buNone/>
+              <a:defRPr sz="3248">
                 <a:solidFill>
                   <a:schemeClr val="tx1">
                     <a:tint val="75000"/>
@@ -932,9 +932,9 @@
                 </a:solidFill>
               </a:defRPr>
             </a:lvl4pPr>
-            <a:lvl5pPr marL="1828800" indent="0">
-              <a:buNone/>
-              <a:defRPr sz="1600">
+            <a:lvl5pPr marL="3712464" indent="0">
+              <a:buNone/>
+              <a:defRPr sz="3248">
                 <a:solidFill>
                   <a:schemeClr val="tx1">
                     <a:tint val="75000"/>
@@ -942,9 +942,9 @@
                 </a:solidFill>
               </a:defRPr>
             </a:lvl5pPr>
-            <a:lvl6pPr marL="2286000" indent="0">
-              <a:buNone/>
-              <a:defRPr sz="1600">
+            <a:lvl6pPr marL="4640580" indent="0">
+              <a:buNone/>
+              <a:defRPr sz="3248">
                 <a:solidFill>
                   <a:schemeClr val="tx1">
                     <a:tint val="75000"/>
@@ -952,9 +952,9 @@
                 </a:solidFill>
               </a:defRPr>
             </a:lvl6pPr>
-            <a:lvl7pPr marL="2743200" indent="0">
-              <a:buNone/>
-              <a:defRPr sz="1600">
+            <a:lvl7pPr marL="5568696" indent="0">
+              <a:buNone/>
+              <a:defRPr sz="3248">
                 <a:solidFill>
                   <a:schemeClr val="tx1">
                     <a:tint val="75000"/>
@@ -962,9 +962,9 @@
                 </a:solidFill>
               </a:defRPr>
             </a:lvl7pPr>
-            <a:lvl8pPr marL="3200400" indent="0">
-              <a:buNone/>
-              <a:defRPr sz="1600">
+            <a:lvl8pPr marL="6496812" indent="0">
+              <a:buNone/>
+              <a:defRPr sz="3248">
                 <a:solidFill>
                   <a:schemeClr val="tx1">
                     <a:tint val="75000"/>
@@ -972,9 +972,9 @@
                 </a:solidFill>
               </a:defRPr>
             </a:lvl8pPr>
-            <a:lvl9pPr marL="3657600" indent="0">
-              <a:buNone/>
-              <a:defRPr sz="1600">
+            <a:lvl9pPr marL="7424928" indent="0">
+              <a:buNone/>
+              <a:defRPr sz="3248">
                 <a:solidFill>
                   <a:schemeClr val="tx1">
                     <a:tint val="75000"/>
@@ -1009,7 +1009,7 @@
           <a:p>
             <a:fld id="{3EF9C5D0-C7EC-4BDF-A7D4-9223B534923B}" type="datetimeFigureOut">
               <a:rPr lang="en-US" smtClean="0"/>
-              <a:t>10/20/2015</a:t>
+              <a:t>12/19/2015</a:t>
             </a:fld>
             <a:endParaRPr lang="en-US"/>
           </a:p>
@@ -1060,7 +1060,7 @@
     </p:spTree>
     <p:extLst>
       <p:ext uri="{BB962C8B-B14F-4D97-AF65-F5344CB8AC3E}">
-        <p14:creationId xmlns:p14="http://schemas.microsoft.com/office/powerpoint/2010/main" val="2310276065"/>
+        <p14:creationId xmlns:p14="http://schemas.microsoft.com/office/powerpoint/2010/main" val="855714256"/>
       </p:ext>
     </p:extLst>
   </p:cSld>
@@ -1106,7 +1106,7 @@
               <a:rPr lang="en-US" smtClean="0"/>
               <a:t>Click to edit Master title style</a:t>
             </a:r>
-            <a:endParaRPr lang="en-US"/>
+            <a:endParaRPr lang="en-US" dirty="0"/>
           </a:p>
         </p:txBody>
       </p:sp>
@@ -1122,8 +1122,8 @@
         </p:nvSpPr>
         <p:spPr>
           <a:xfrm>
-            <a:off x="838200" y="1825625"/>
-            <a:ext cx="5181600" cy="4351338"/>
+            <a:off x="1276181" y="4868333"/>
+            <a:ext cx="7889121" cy="11603568"/>
           </a:xfrm>
         </p:spPr>
         <p:txBody>
@@ -1163,7 +1163,7 @@
               <a:rPr lang="en-US" smtClean="0"/>
               <a:t>Fifth level</a:t>
             </a:r>
-            <a:endParaRPr lang="en-US"/>
+            <a:endParaRPr lang="en-US" dirty="0"/>
           </a:p>
         </p:txBody>
       </p:sp>
@@ -1179,8 +1179,8 @@
         </p:nvSpPr>
         <p:spPr>
           <a:xfrm>
-            <a:off x="6172200" y="1825625"/>
-            <a:ext cx="5181600" cy="4351338"/>
+            <a:off x="9397336" y="4868333"/>
+            <a:ext cx="7889121" cy="11603568"/>
           </a:xfrm>
         </p:spPr>
         <p:txBody>
@@ -1220,7 +1220,7 @@
               <a:rPr lang="en-US" smtClean="0"/>
               <a:t>Fifth level</a:t>
             </a:r>
-            <a:endParaRPr lang="en-US"/>
+            <a:endParaRPr lang="en-US" dirty="0"/>
           </a:p>
         </p:txBody>
       </p:sp>
@@ -1241,7 +1241,7 @@
           <a:p>
             <a:fld id="{3EF9C5D0-C7EC-4BDF-A7D4-9223B534923B}" type="datetimeFigureOut">
               <a:rPr lang="en-US" smtClean="0"/>
-              <a:t>10/20/2015</a:t>
+              <a:t>12/19/2015</a:t>
             </a:fld>
             <a:endParaRPr lang="en-US"/>
           </a:p>
@@ -1292,7 +1292,7 @@
     </p:spTree>
     <p:extLst>
       <p:ext uri="{BB962C8B-B14F-4D97-AF65-F5344CB8AC3E}">
-        <p14:creationId xmlns:p14="http://schemas.microsoft.com/office/powerpoint/2010/main" val="3829101823"/>
+        <p14:creationId xmlns:p14="http://schemas.microsoft.com/office/powerpoint/2010/main" val="478172322"/>
       </p:ext>
     </p:extLst>
   </p:cSld>
@@ -1331,8 +1331,8 @@
         </p:nvSpPr>
         <p:spPr>
           <a:xfrm>
-            <a:off x="839788" y="365125"/>
-            <a:ext cx="10515600" cy="1325563"/>
+            <a:off x="1278599" y="973671"/>
+            <a:ext cx="16010275" cy="3534835"/>
           </a:xfrm>
         </p:spPr>
         <p:txBody>
@@ -1343,7 +1343,7 @@
               <a:rPr lang="en-US" smtClean="0"/>
               <a:t>Click to edit Master title style</a:t>
             </a:r>
-            <a:endParaRPr lang="en-US"/>
+            <a:endParaRPr lang="en-US" dirty="0"/>
           </a:p>
         </p:txBody>
       </p:sp>
@@ -1359,8 +1359,8 @@
         </p:nvSpPr>
         <p:spPr>
           <a:xfrm>
-            <a:off x="839788" y="1681163"/>
-            <a:ext cx="5157787" cy="823912"/>
+            <a:off x="1278601" y="4483101"/>
+            <a:ext cx="7852865" cy="2197099"/>
           </a:xfrm>
         </p:spPr>
         <p:txBody>
@@ -1368,39 +1368,39 @@
           <a:lstStyle>
             <a:lvl1pPr marL="0" indent="0">
               <a:buNone/>
-              <a:defRPr sz="2400" b="1"/>
+              <a:defRPr sz="4872" b="1"/>
             </a:lvl1pPr>
-            <a:lvl2pPr marL="457200" indent="0">
-              <a:buNone/>
-              <a:defRPr sz="2000" b="1"/>
+            <a:lvl2pPr marL="928116" indent="0">
+              <a:buNone/>
+              <a:defRPr sz="4060" b="1"/>
             </a:lvl2pPr>
-            <a:lvl3pPr marL="914400" indent="0">
-              <a:buNone/>
-              <a:defRPr sz="1800" b="1"/>
+            <a:lvl3pPr marL="1856232" indent="0">
+              <a:buNone/>
+              <a:defRPr sz="3654" b="1"/>
             </a:lvl3pPr>
-            <a:lvl4pPr marL="1371600" indent="0">
-              <a:buNone/>
-              <a:defRPr sz="1600" b="1"/>
+            <a:lvl4pPr marL="2784348" indent="0">
+              <a:buNone/>
+              <a:defRPr sz="3248" b="1"/>
             </a:lvl4pPr>
-            <a:lvl5pPr marL="1828800" indent="0">
-              <a:buNone/>
-              <a:defRPr sz="1600" b="1"/>
+            <a:lvl5pPr marL="3712464" indent="0">
+              <a:buNone/>
+              <a:defRPr sz="3248" b="1"/>
             </a:lvl5pPr>
-            <a:lvl6pPr marL="2286000" indent="0">
-              <a:buNone/>
-              <a:defRPr sz="1600" b="1"/>
+            <a:lvl6pPr marL="4640580" indent="0">
+              <a:buNone/>
+              <a:defRPr sz="3248" b="1"/>
             </a:lvl6pPr>
-            <a:lvl7pPr marL="2743200" indent="0">
-              <a:buNone/>
-              <a:defRPr sz="1600" b="1"/>
+            <a:lvl7pPr marL="5568696" indent="0">
+              <a:buNone/>
+              <a:defRPr sz="3248" b="1"/>
             </a:lvl7pPr>
-            <a:lvl8pPr marL="3200400" indent="0">
-              <a:buNone/>
-              <a:defRPr sz="1600" b="1"/>
+            <a:lvl8pPr marL="6496812" indent="0">
+              <a:buNone/>
+              <a:defRPr sz="3248" b="1"/>
             </a:lvl8pPr>
-            <a:lvl9pPr marL="3657600" indent="0">
-              <a:buNone/>
-              <a:defRPr sz="1600" b="1"/>
+            <a:lvl9pPr marL="7424928" indent="0">
+              <a:buNone/>
+              <a:defRPr sz="3248" b="1"/>
             </a:lvl9pPr>
           </a:lstStyle>
           <a:p>
@@ -1424,8 +1424,8 @@
         </p:nvSpPr>
         <p:spPr>
           <a:xfrm>
-            <a:off x="839788" y="2505075"/>
-            <a:ext cx="5157787" cy="3684588"/>
+            <a:off x="1278601" y="6680200"/>
+            <a:ext cx="7852865" cy="9825568"/>
           </a:xfrm>
         </p:spPr>
         <p:txBody>
@@ -1465,7 +1465,7 @@
               <a:rPr lang="en-US" smtClean="0"/>
               <a:t>Fifth level</a:t>
             </a:r>
-            <a:endParaRPr lang="en-US"/>
+            <a:endParaRPr lang="en-US" dirty="0"/>
           </a:p>
         </p:txBody>
       </p:sp>
@@ -1481,8 +1481,8 @@
         </p:nvSpPr>
         <p:spPr>
           <a:xfrm>
-            <a:off x="6172200" y="1681163"/>
-            <a:ext cx="5183188" cy="823912"/>
+            <a:off x="9397336" y="4483101"/>
+            <a:ext cx="7891539" cy="2197099"/>
           </a:xfrm>
         </p:spPr>
         <p:txBody>
@@ -1490,39 +1490,39 @@
           <a:lstStyle>
             <a:lvl1pPr marL="0" indent="0">
               <a:buNone/>
-              <a:defRPr sz="2400" b="1"/>
+              <a:defRPr sz="4872" b="1"/>
             </a:lvl1pPr>
-            <a:lvl2pPr marL="457200" indent="0">
-              <a:buNone/>
-              <a:defRPr sz="2000" b="1"/>
+            <a:lvl2pPr marL="928116" indent="0">
+              <a:buNone/>
+              <a:defRPr sz="4060" b="1"/>
             </a:lvl2pPr>
-            <a:lvl3pPr marL="914400" indent="0">
-              <a:buNone/>
-              <a:defRPr sz="1800" b="1"/>
+            <a:lvl3pPr marL="1856232" indent="0">
+              <a:buNone/>
+              <a:defRPr sz="3654" b="1"/>
             </a:lvl3pPr>
-            <a:lvl4pPr marL="1371600" indent="0">
-              <a:buNone/>
-              <a:defRPr sz="1600" b="1"/>
+            <a:lvl4pPr marL="2784348" indent="0">
+              <a:buNone/>
+              <a:defRPr sz="3248" b="1"/>
             </a:lvl4pPr>
-            <a:lvl5pPr marL="1828800" indent="0">
-              <a:buNone/>
-              <a:defRPr sz="1600" b="1"/>
+            <a:lvl5pPr marL="3712464" indent="0">
+              <a:buNone/>
+              <a:defRPr sz="3248" b="1"/>
             </a:lvl5pPr>
-            <a:lvl6pPr marL="2286000" indent="0">
-              <a:buNone/>
-              <a:defRPr sz="1600" b="1"/>
+            <a:lvl6pPr marL="4640580" indent="0">
+              <a:buNone/>
+              <a:defRPr sz="3248" b="1"/>
             </a:lvl6pPr>
-            <a:lvl7pPr marL="2743200" indent="0">
-              <a:buNone/>
-              <a:defRPr sz="1600" b="1"/>
+            <a:lvl7pPr marL="5568696" indent="0">
+              <a:buNone/>
+              <a:defRPr sz="3248" b="1"/>
             </a:lvl7pPr>
-            <a:lvl8pPr marL="3200400" indent="0">
-              <a:buNone/>
-              <a:defRPr sz="1600" b="1"/>
+            <a:lvl8pPr marL="6496812" indent="0">
+              <a:buNone/>
+              <a:defRPr sz="3248" b="1"/>
             </a:lvl8pPr>
-            <a:lvl9pPr marL="3657600" indent="0">
-              <a:buNone/>
-              <a:defRPr sz="1600" b="1"/>
+            <a:lvl9pPr marL="7424928" indent="0">
+              <a:buNone/>
+              <a:defRPr sz="3248" b="1"/>
             </a:lvl9pPr>
           </a:lstStyle>
           <a:p>
@@ -1546,8 +1546,8 @@
         </p:nvSpPr>
         <p:spPr>
           <a:xfrm>
-            <a:off x="6172200" y="2505075"/>
-            <a:ext cx="5183188" cy="3684588"/>
+            <a:off x="9397336" y="6680200"/>
+            <a:ext cx="7891539" cy="9825568"/>
           </a:xfrm>
         </p:spPr>
         <p:txBody>
@@ -1587,7 +1587,7 @@
               <a:rPr lang="en-US" smtClean="0"/>
               <a:t>Fifth level</a:t>
             </a:r>
-            <a:endParaRPr lang="en-US"/>
+            <a:endParaRPr lang="en-US" dirty="0"/>
           </a:p>
         </p:txBody>
       </p:sp>
@@ -1608,7 +1608,7 @@
           <a:p>
             <a:fld id="{3EF9C5D0-C7EC-4BDF-A7D4-9223B534923B}" type="datetimeFigureOut">
               <a:rPr lang="en-US" smtClean="0"/>
-              <a:t>10/20/2015</a:t>
+              <a:t>12/19/2015</a:t>
             </a:fld>
             <a:endParaRPr lang="en-US"/>
           </a:p>
@@ -1659,7 +1659,7 @@
     </p:spTree>
     <p:extLst>
       <p:ext uri="{BB962C8B-B14F-4D97-AF65-F5344CB8AC3E}">
-        <p14:creationId xmlns:p14="http://schemas.microsoft.com/office/powerpoint/2010/main" val="3849107875"/>
+        <p14:creationId xmlns:p14="http://schemas.microsoft.com/office/powerpoint/2010/main" val="3421639281"/>
       </p:ext>
     </p:extLst>
   </p:cSld>
@@ -1705,7 +1705,7 @@
               <a:rPr lang="en-US" smtClean="0"/>
               <a:t>Click to edit Master title style</a:t>
             </a:r>
-            <a:endParaRPr lang="en-US"/>
+            <a:endParaRPr lang="en-US" dirty="0"/>
           </a:p>
         </p:txBody>
       </p:sp>
@@ -1726,7 +1726,7 @@
           <a:p>
             <a:fld id="{3EF9C5D0-C7EC-4BDF-A7D4-9223B534923B}" type="datetimeFigureOut">
               <a:rPr lang="en-US" smtClean="0"/>
-              <a:t>10/20/2015</a:t>
+              <a:t>12/19/2015</a:t>
             </a:fld>
             <a:endParaRPr lang="en-US"/>
           </a:p>
@@ -1777,7 +1777,7 @@
     </p:spTree>
     <p:extLst>
       <p:ext uri="{BB962C8B-B14F-4D97-AF65-F5344CB8AC3E}">
-        <p14:creationId xmlns:p14="http://schemas.microsoft.com/office/powerpoint/2010/main" val="3267408844"/>
+        <p14:creationId xmlns:p14="http://schemas.microsoft.com/office/powerpoint/2010/main" val="3675557384"/>
       </p:ext>
     </p:extLst>
   </p:cSld>
@@ -1821,7 +1821,7 @@
           <a:p>
             <a:fld id="{3EF9C5D0-C7EC-4BDF-A7D4-9223B534923B}" type="datetimeFigureOut">
               <a:rPr lang="en-US" smtClean="0"/>
-              <a:t>10/20/2015</a:t>
+              <a:t>12/19/2015</a:t>
             </a:fld>
             <a:endParaRPr lang="en-US"/>
           </a:p>
@@ -1872,7 +1872,7 @@
     </p:spTree>
     <p:extLst>
       <p:ext uri="{BB962C8B-B14F-4D97-AF65-F5344CB8AC3E}">
-        <p14:creationId xmlns:p14="http://schemas.microsoft.com/office/powerpoint/2010/main" val="3743537616"/>
+        <p14:creationId xmlns:p14="http://schemas.microsoft.com/office/powerpoint/2010/main" val="4112185446"/>
       </p:ext>
     </p:extLst>
   </p:cSld>
@@ -1911,15 +1911,15 @@
         </p:nvSpPr>
         <p:spPr>
           <a:xfrm>
-            <a:off x="839788" y="457200"/>
-            <a:ext cx="3932237" cy="1600200"/>
+            <a:off x="1278599" y="1219200"/>
+            <a:ext cx="5986934" cy="4267200"/>
           </a:xfrm>
         </p:spPr>
         <p:txBody>
           <a:bodyPr anchor="b"/>
           <a:lstStyle>
             <a:lvl1pPr>
-              <a:defRPr sz="3200"/>
+              <a:defRPr sz="6496"/>
             </a:lvl1pPr>
           </a:lstStyle>
           <a:p>
@@ -1927,7 +1927,7 @@
               <a:rPr lang="en-US" smtClean="0"/>
               <a:t>Click to edit Master title style</a:t>
             </a:r>
-            <a:endParaRPr lang="en-US"/>
+            <a:endParaRPr lang="en-US" dirty="0"/>
           </a:p>
         </p:txBody>
       </p:sp>
@@ -1943,39 +1943,39 @@
         </p:nvSpPr>
         <p:spPr>
           <a:xfrm>
-            <a:off x="5183188" y="987425"/>
-            <a:ext cx="6172200" cy="4873625"/>
+            <a:off x="7891539" y="2633138"/>
+            <a:ext cx="9397335" cy="12996333"/>
           </a:xfrm>
         </p:spPr>
         <p:txBody>
           <a:bodyPr/>
           <a:lstStyle>
             <a:lvl1pPr>
-              <a:defRPr sz="3200"/>
+              <a:defRPr sz="6496"/>
             </a:lvl1pPr>
             <a:lvl2pPr>
-              <a:defRPr sz="2800"/>
+              <a:defRPr sz="5684"/>
             </a:lvl2pPr>
             <a:lvl3pPr>
-              <a:defRPr sz="2400"/>
+              <a:defRPr sz="4872"/>
             </a:lvl3pPr>
             <a:lvl4pPr>
-              <a:defRPr sz="2000"/>
+              <a:defRPr sz="4060"/>
             </a:lvl4pPr>
             <a:lvl5pPr>
-              <a:defRPr sz="2000"/>
+              <a:defRPr sz="4060"/>
             </a:lvl5pPr>
             <a:lvl6pPr>
-              <a:defRPr sz="2000"/>
+              <a:defRPr sz="4060"/>
             </a:lvl6pPr>
             <a:lvl7pPr>
-              <a:defRPr sz="2000"/>
+              <a:defRPr sz="4060"/>
             </a:lvl7pPr>
             <a:lvl8pPr>
-              <a:defRPr sz="2000"/>
+              <a:defRPr sz="4060"/>
             </a:lvl8pPr>
             <a:lvl9pPr>
-              <a:defRPr sz="2000"/>
+              <a:defRPr sz="4060"/>
             </a:lvl9pPr>
           </a:lstStyle>
           <a:p>
@@ -2012,7 +2012,7 @@
               <a:rPr lang="en-US" smtClean="0"/>
               <a:t>Fifth level</a:t>
             </a:r>
-            <a:endParaRPr lang="en-US"/>
+            <a:endParaRPr lang="en-US" dirty="0"/>
           </a:p>
         </p:txBody>
       </p:sp>
@@ -2028,8 +2028,8 @@
         </p:nvSpPr>
         <p:spPr>
           <a:xfrm>
-            <a:off x="839788" y="2057400"/>
-            <a:ext cx="3932237" cy="3811588"/>
+            <a:off x="1278599" y="5486400"/>
+            <a:ext cx="5986934" cy="10164235"/>
           </a:xfrm>
         </p:spPr>
         <p:txBody>
@@ -2037,39 +2037,39 @@
           <a:lstStyle>
             <a:lvl1pPr marL="0" indent="0">
               <a:buNone/>
-              <a:defRPr sz="1600"/>
+              <a:defRPr sz="3248"/>
             </a:lvl1pPr>
-            <a:lvl2pPr marL="457200" indent="0">
-              <a:buNone/>
-              <a:defRPr sz="1400"/>
+            <a:lvl2pPr marL="928116" indent="0">
+              <a:buNone/>
+              <a:defRPr sz="2842"/>
             </a:lvl2pPr>
-            <a:lvl3pPr marL="914400" indent="0">
-              <a:buNone/>
-              <a:defRPr sz="1200"/>
+            <a:lvl3pPr marL="1856232" indent="0">
+              <a:buNone/>
+              <a:defRPr sz="2436"/>
             </a:lvl3pPr>
-            <a:lvl4pPr marL="1371600" indent="0">
-              <a:buNone/>
-              <a:defRPr sz="1000"/>
+            <a:lvl4pPr marL="2784348" indent="0">
+              <a:buNone/>
+              <a:defRPr sz="2030"/>
             </a:lvl4pPr>
-            <a:lvl5pPr marL="1828800" indent="0">
-              <a:buNone/>
-              <a:defRPr sz="1000"/>
+            <a:lvl5pPr marL="3712464" indent="0">
+              <a:buNone/>
+              <a:defRPr sz="2030"/>
             </a:lvl5pPr>
-            <a:lvl6pPr marL="2286000" indent="0">
-              <a:buNone/>
-              <a:defRPr sz="1000"/>
+            <a:lvl6pPr marL="4640580" indent="0">
+              <a:buNone/>
+              <a:defRPr sz="2030"/>
             </a:lvl6pPr>
-            <a:lvl7pPr marL="2743200" indent="0">
-              <a:buNone/>
-              <a:defRPr sz="1000"/>
+            <a:lvl7pPr marL="5568696" indent="0">
+              <a:buNone/>
+              <a:defRPr sz="2030"/>
             </a:lvl7pPr>
-            <a:lvl8pPr marL="3200400" indent="0">
-              <a:buNone/>
-              <a:defRPr sz="1000"/>
+            <a:lvl8pPr marL="6496812" indent="0">
+              <a:buNone/>
+              <a:defRPr sz="2030"/>
             </a:lvl8pPr>
-            <a:lvl9pPr marL="3657600" indent="0">
-              <a:buNone/>
-              <a:defRPr sz="1000"/>
+            <a:lvl9pPr marL="7424928" indent="0">
+              <a:buNone/>
+              <a:defRPr sz="2030"/>
             </a:lvl9pPr>
           </a:lstStyle>
           <a:p>
@@ -2098,7 +2098,7 @@
           <a:p>
             <a:fld id="{3EF9C5D0-C7EC-4BDF-A7D4-9223B534923B}" type="datetimeFigureOut">
               <a:rPr lang="en-US" smtClean="0"/>
-              <a:t>10/20/2015</a:t>
+              <a:t>12/19/2015</a:t>
             </a:fld>
             <a:endParaRPr lang="en-US"/>
           </a:p>
@@ -2149,7 +2149,7 @@
     </p:spTree>
     <p:extLst>
       <p:ext uri="{BB962C8B-B14F-4D97-AF65-F5344CB8AC3E}">
-        <p14:creationId xmlns:p14="http://schemas.microsoft.com/office/powerpoint/2010/main" val="4207112968"/>
+        <p14:creationId xmlns:p14="http://schemas.microsoft.com/office/powerpoint/2010/main" val="2088815722"/>
       </p:ext>
     </p:extLst>
   </p:cSld>
@@ -2188,15 +2188,15 @@
         </p:nvSpPr>
         <p:spPr>
           <a:xfrm>
-            <a:off x="839788" y="457200"/>
-            <a:ext cx="3932237" cy="1600200"/>
+            <a:off x="1278599" y="1219200"/>
+            <a:ext cx="5986934" cy="4267200"/>
           </a:xfrm>
         </p:spPr>
         <p:txBody>
           <a:bodyPr anchor="b"/>
           <a:lstStyle>
             <a:lvl1pPr>
-              <a:defRPr sz="3200"/>
+              <a:defRPr sz="6496"/>
             </a:lvl1pPr>
           </a:lstStyle>
           <a:p>
@@ -2204,7 +2204,7 @@
               <a:rPr lang="en-US" smtClean="0"/>
               <a:t>Click to edit Master title style</a:t>
             </a:r>
-            <a:endParaRPr lang="en-US"/>
+            <a:endParaRPr lang="en-US" dirty="0"/>
           </a:p>
         </p:txBody>
       </p:sp>
@@ -2212,7 +2212,7 @@
         <p:nvSpPr>
           <p:cNvPr id="3" name="Picture Placeholder 2"/>
           <p:cNvSpPr>
-            <a:spLocks noGrp="1"/>
+            <a:spLocks noGrp="1" noChangeAspect="1"/>
           </p:cNvSpPr>
           <p:nvPr>
             <p:ph type="pic" idx="1"/>
@@ -2220,8 +2220,73 @@
         </p:nvSpPr>
         <p:spPr>
           <a:xfrm>
-            <a:off x="5183188" y="987425"/>
-            <a:ext cx="6172200" cy="4873625"/>
+            <a:off x="7891539" y="2633138"/>
+            <a:ext cx="9397335" cy="12996333"/>
+          </a:xfrm>
+        </p:spPr>
+        <p:txBody>
+          <a:bodyPr anchor="t"/>
+          <a:lstStyle>
+            <a:lvl1pPr marL="0" indent="0">
+              <a:buNone/>
+              <a:defRPr sz="6496"/>
+            </a:lvl1pPr>
+            <a:lvl2pPr marL="928116" indent="0">
+              <a:buNone/>
+              <a:defRPr sz="5684"/>
+            </a:lvl2pPr>
+            <a:lvl3pPr marL="1856232" indent="0">
+              <a:buNone/>
+              <a:defRPr sz="4872"/>
+            </a:lvl3pPr>
+            <a:lvl4pPr marL="2784348" indent="0">
+              <a:buNone/>
+              <a:defRPr sz="4060"/>
+            </a:lvl4pPr>
+            <a:lvl5pPr marL="3712464" indent="0">
+              <a:buNone/>
+              <a:defRPr sz="4060"/>
+            </a:lvl5pPr>
+            <a:lvl6pPr marL="4640580" indent="0">
+              <a:buNone/>
+              <a:defRPr sz="4060"/>
+            </a:lvl6pPr>
+            <a:lvl7pPr marL="5568696" indent="0">
+              <a:buNone/>
+              <a:defRPr sz="4060"/>
+            </a:lvl7pPr>
+            <a:lvl8pPr marL="6496812" indent="0">
+              <a:buNone/>
+              <a:defRPr sz="4060"/>
+            </a:lvl8pPr>
+            <a:lvl9pPr marL="7424928" indent="0">
+              <a:buNone/>
+              <a:defRPr sz="4060"/>
+            </a:lvl9pPr>
+          </a:lstStyle>
+          <a:p>
+            <a:r>
+              <a:rPr lang="en-US" smtClean="0"/>
+              <a:t>Click icon to add picture</a:t>
+            </a:r>
+            <a:endParaRPr lang="en-US" dirty="0"/>
+          </a:p>
+        </p:txBody>
+      </p:sp>
+      <p:sp>
+        <p:nvSpPr>
+          <p:cNvPr id="4" name="Text Placeholder 3"/>
+          <p:cNvSpPr>
+            <a:spLocks noGrp="1"/>
+          </p:cNvSpPr>
+          <p:nvPr>
+            <p:ph type="body" sz="half" idx="2"/>
+          </p:nvPr>
+        </p:nvSpPr>
+        <p:spPr>
+          <a:xfrm>
+            <a:off x="1278599" y="5486400"/>
+            <a:ext cx="5986934" cy="10164235"/>
           </a:xfrm>
         </p:spPr>
         <p:txBody>
@@ -2229,129 +2294,68 @@
           <a:lstStyle>
             <a:lvl1pPr marL="0" indent="0">
               <a:buNone/>
-              <a:defRPr sz="3200"/>
+              <a:defRPr sz="3248"/>
             </a:lvl1pPr>
-            <a:lvl2pPr marL="457200" indent="0">
-              <a:buNone/>
-              <a:defRPr sz="2800"/>
+            <a:lvl2pPr marL="928116" indent="0">
+              <a:buNone/>
+              <a:defRPr sz="2842"/>
             </a:lvl2pPr>
-            <a:lvl3pPr marL="914400" indent="0">
-              <a:buNone/>
-              <a:defRPr sz="2400"/>
+            <a:lvl3pPr marL="1856232" indent="0">
+              <a:buNone/>
+              <a:defRPr sz="2436"/>
             </a:lvl3pPr>
-            <a:lvl4pPr marL="1371600" indent="0">
-              <a:buNone/>
-              <a:defRPr sz="2000"/>
+            <a:lvl4pPr marL="2784348" indent="0">
+              <a:buNone/>
+              <a:defRPr sz="2030"/>
             </a:lvl4pPr>
-            <a:lvl5pPr marL="1828800" indent="0">
-              <a:buNone/>
-              <a:defRPr sz="2000"/>
+            <a:lvl5pPr marL="3712464" indent="0">
+              <a:buNone/>
+              <a:defRPr sz="2030"/>
             </a:lvl5pPr>
-            <a:lvl6pPr marL="2286000" indent="0">
-              <a:buNone/>
-              <a:defRPr sz="2000"/>
+            <a:lvl6pPr marL="4640580" indent="0">
+              <a:buNone/>
+              <a:defRPr sz="2030"/>
             </a:lvl6pPr>
-            <a:lvl7pPr marL="2743200" indent="0">
-              <a:buNone/>
-              <a:defRPr sz="2000"/>
+            <a:lvl7pPr marL="5568696" indent="0">
+              <a:buNone/>
+              <a:defRPr sz="2030"/>
             </a:lvl7pPr>
-            <a:lvl8pPr marL="3200400" indent="0">
-              <a:buNone/>
-              <a:defRPr sz="2000"/>
+            <a:lvl8pPr marL="6496812" indent="0">
+              <a:buNone/>
+              <a:defRPr sz="2030"/>
             </a:lvl8pPr>
-            <a:lvl9pPr marL="3657600" indent="0">
-              <a:buNone/>
-              <a:defRPr sz="2000"/>
+            <a:lvl9pPr marL="7424928" indent="0">
+              <a:buNone/>
+              <a:defRPr sz="2030"/>
             </a:lvl9pPr>
           </a:lstStyle>
           <a:p>
-            <a:endParaRPr lang="en-US"/>
-          </a:p>
-        </p:txBody>
-      </p:sp>
-      <p:sp>
-        <p:nvSpPr>
-          <p:cNvPr id="4" name="Text Placeholder 3"/>
-          <p:cNvSpPr>
-            <a:spLocks noGrp="1"/>
-          </p:cNvSpPr>
-          <p:nvPr>
-            <p:ph type="body" sz="half" idx="2"/>
-          </p:nvPr>
-        </p:nvSpPr>
-        <p:spPr>
-          <a:xfrm>
-            <a:off x="839788" y="2057400"/>
-            <a:ext cx="3932237" cy="3811588"/>
-          </a:xfrm>
-        </p:spPr>
+            <a:pPr lvl="0"/>
+            <a:r>
+              <a:rPr lang="en-US" smtClean="0"/>
+              <a:t>Click to edit Master text styles</a:t>
+            </a:r>
+          </a:p>
+        </p:txBody>
+      </p:sp>
+      <p:sp>
+        <p:nvSpPr>
+          <p:cNvPr id="5" name="Date Placeholder 4"/>
+          <p:cNvSpPr>
+            <a:spLocks noGrp="1"/>
+          </p:cNvSpPr>
+          <p:nvPr>
+            <p:ph type="dt" sz="half" idx="10"/>
+          </p:nvPr>
+        </p:nvSpPr>
+        <p:spPr/>
         <p:txBody>
           <a:bodyPr/>
-          <a:lstStyle>
-            <a:lvl1pPr marL="0" indent="0">
-              <a:buNone/>
-              <a:defRPr sz="1600"/>
-            </a:lvl1pPr>
-            <a:lvl2pPr marL="457200" indent="0">
-              <a:buNone/>
-              <a:defRPr sz="1400"/>
-            </a:lvl2pPr>
-            <a:lvl3pPr marL="914400" indent="0">
-              <a:buNone/>
-              <a:defRPr sz="1200"/>
-            </a:lvl3pPr>
-            <a:lvl4pPr marL="1371600" indent="0">
-              <a:buNone/>
-              <a:defRPr sz="1000"/>
-            </a:lvl4pPr>
-            <a:lvl5pPr marL="1828800" indent="0">
-              <a:buNone/>
-              <a:defRPr sz="1000"/>
-            </a:lvl5pPr>
-            <a:lvl6pPr marL="2286000" indent="0">
-              <a:buNone/>
-              <a:defRPr sz="1000"/>
-            </a:lvl6pPr>
-            <a:lvl7pPr marL="2743200" indent="0">
-              <a:buNone/>
-              <a:defRPr sz="1000"/>
-            </a:lvl7pPr>
-            <a:lvl8pPr marL="3200400" indent="0">
-              <a:buNone/>
-              <a:defRPr sz="1000"/>
-            </a:lvl8pPr>
-            <a:lvl9pPr marL="3657600" indent="0">
-              <a:buNone/>
-              <a:defRPr sz="1000"/>
-            </a:lvl9pPr>
-          </a:lstStyle>
-          <a:p>
-            <a:pPr lvl="0"/>
-            <a:r>
-              <a:rPr lang="en-US" smtClean="0"/>
-              <a:t>Click to edit Master text styles</a:t>
-            </a:r>
-          </a:p>
-        </p:txBody>
-      </p:sp>
-      <p:sp>
-        <p:nvSpPr>
-          <p:cNvPr id="5" name="Date Placeholder 4"/>
-          <p:cNvSpPr>
-            <a:spLocks noGrp="1"/>
-          </p:cNvSpPr>
-          <p:nvPr>
-            <p:ph type="dt" sz="half" idx="10"/>
-          </p:nvPr>
-        </p:nvSpPr>
-        <p:spPr/>
-        <p:txBody>
-          <a:bodyPr/>
           <a:lstStyle/>
           <a:p>
             <a:fld id="{3EF9C5D0-C7EC-4BDF-A7D4-9223B534923B}" type="datetimeFigureOut">
               <a:rPr lang="en-US" smtClean="0"/>
-              <a:t>10/20/2015</a:t>
+              <a:t>12/19/2015</a:t>
             </a:fld>
             <a:endParaRPr lang="en-US"/>
           </a:p>
@@ -2402,7 +2406,7 @@
     </p:spTree>
     <p:extLst>
       <p:ext uri="{BB962C8B-B14F-4D97-AF65-F5344CB8AC3E}">
-        <p14:creationId xmlns:p14="http://schemas.microsoft.com/office/powerpoint/2010/main" val="1112259978"/>
+        <p14:creationId xmlns:p14="http://schemas.microsoft.com/office/powerpoint/2010/main" val="248965252"/>
       </p:ext>
     </p:extLst>
   </p:cSld>
@@ -2446,8 +2450,8 @@
         </p:nvSpPr>
         <p:spPr>
           <a:xfrm>
-            <a:off x="838200" y="365125"/>
-            <a:ext cx="10515600" cy="1325563"/>
+            <a:off x="1276182" y="973671"/>
+            <a:ext cx="16010275" cy="3534835"/>
           </a:xfrm>
           <a:prstGeom prst="rect">
             <a:avLst/>
@@ -2463,7 +2467,7 @@
               <a:rPr lang="en-US" smtClean="0"/>
               <a:t>Click to edit Master title style</a:t>
             </a:r>
-            <a:endParaRPr lang="en-US"/>
+            <a:endParaRPr lang="en-US" dirty="0"/>
           </a:p>
         </p:txBody>
       </p:sp>
@@ -2479,8 +2483,8 @@
         </p:nvSpPr>
         <p:spPr>
           <a:xfrm>
-            <a:off x="838200" y="1825625"/>
-            <a:ext cx="10515600" cy="4351338"/>
+            <a:off x="1276182" y="4868333"/>
+            <a:ext cx="16010275" cy="11603568"/>
           </a:xfrm>
           <a:prstGeom prst="rect">
             <a:avLst/>
@@ -2525,7 +2529,7 @@
               <a:rPr lang="en-US" smtClean="0"/>
               <a:t>Fifth level</a:t>
             </a:r>
-            <a:endParaRPr lang="en-US"/>
+            <a:endParaRPr lang="en-US" dirty="0"/>
           </a:p>
         </p:txBody>
       </p:sp>
@@ -2541,8 +2545,8 @@
         </p:nvSpPr>
         <p:spPr>
           <a:xfrm>
-            <a:off x="838200" y="6356350"/>
-            <a:ext cx="2743200" cy="365125"/>
+            <a:off x="1276181" y="16950271"/>
+            <a:ext cx="4176594" cy="973667"/>
           </a:xfrm>
           <a:prstGeom prst="rect">
             <a:avLst/>
@@ -2552,7 +2556,7 @@
           <a:bodyPr vert="horz" lIns="91440" tIns="45720" rIns="91440" bIns="45720" rtlCol="0" anchor="ctr"/>
           <a:lstStyle>
             <a:lvl1pPr algn="l">
-              <a:defRPr sz="1200">
+              <a:defRPr sz="2436">
                 <a:solidFill>
                   <a:schemeClr val="tx1">
                     <a:tint val="75000"/>
@@ -2564,7 +2568,7 @@
           <a:p>
             <a:fld id="{3EF9C5D0-C7EC-4BDF-A7D4-9223B534923B}" type="datetimeFigureOut">
               <a:rPr lang="en-US" smtClean="0"/>
-              <a:t>10/20/2015</a:t>
+              <a:t>12/19/2015</a:t>
             </a:fld>
             <a:endParaRPr lang="en-US"/>
           </a:p>
@@ -2582,8 +2586,8 @@
         </p:nvSpPr>
         <p:spPr>
           <a:xfrm>
-            <a:off x="4038600" y="6356350"/>
-            <a:ext cx="4114800" cy="365125"/>
+            <a:off x="6148874" y="16950271"/>
+            <a:ext cx="6264890" cy="973667"/>
           </a:xfrm>
           <a:prstGeom prst="rect">
             <a:avLst/>
@@ -2593,7 +2597,7 @@
           <a:bodyPr vert="horz" lIns="91440" tIns="45720" rIns="91440" bIns="45720" rtlCol="0" anchor="ctr"/>
           <a:lstStyle>
             <a:lvl1pPr algn="ctr">
-              <a:defRPr sz="1200">
+              <a:defRPr sz="2436">
                 <a:solidFill>
                   <a:schemeClr val="tx1">
                     <a:tint val="75000"/>
@@ -2619,8 +2623,8 @@
         </p:nvSpPr>
         <p:spPr>
           <a:xfrm>
-            <a:off x="8610600" y="6356350"/>
-            <a:ext cx="2743200" cy="365125"/>
+            <a:off x="13109863" y="16950271"/>
+            <a:ext cx="4176594" cy="973667"/>
           </a:xfrm>
           <a:prstGeom prst="rect">
             <a:avLst/>
@@ -2630,7 +2634,7 @@
           <a:bodyPr vert="horz" lIns="91440" tIns="45720" rIns="91440" bIns="45720" rtlCol="0" anchor="ctr"/>
           <a:lstStyle>
             <a:lvl1pPr algn="r">
-              <a:defRPr sz="1200">
+              <a:defRPr sz="2436">
                 <a:solidFill>
                   <a:schemeClr val="tx1">
                     <a:tint val="75000"/>
@@ -2651,27 +2655,27 @@
     </p:spTree>
     <p:extLst>
       <p:ext uri="{BB962C8B-B14F-4D97-AF65-F5344CB8AC3E}">
-        <p14:creationId xmlns:p14="http://schemas.microsoft.com/office/powerpoint/2010/main" val="2786948708"/>
+        <p14:creationId xmlns:p14="http://schemas.microsoft.com/office/powerpoint/2010/main" val="2030716002"/>
       </p:ext>
     </p:extLst>
   </p:cSld>
   <p:clrMap bg1="lt1" tx1="dk1" bg2="lt2" tx2="dk2" accent1="accent1" accent2="accent2" accent3="accent3" accent4="accent4" accent5="accent5" accent6="accent6" hlink="hlink" folHlink="folHlink"/>
   <p:sldLayoutIdLst>
-    <p:sldLayoutId id="2147483649" r:id="rId1"/>
-    <p:sldLayoutId id="2147483650" r:id="rId2"/>
-    <p:sldLayoutId id="2147483651" r:id="rId3"/>
-    <p:sldLayoutId id="2147483652" r:id="rId4"/>
-    <p:sldLayoutId id="2147483653" r:id="rId5"/>
-    <p:sldLayoutId id="2147483654" r:id="rId6"/>
-    <p:sldLayoutId id="2147483655" r:id="rId7"/>
-    <p:sldLayoutId id="2147483656" r:id="rId8"/>
-    <p:sldLayoutId id="2147483657" r:id="rId9"/>
-    <p:sldLayoutId id="2147483658" r:id="rId10"/>
-    <p:sldLayoutId id="2147483659" r:id="rId11"/>
+    <p:sldLayoutId id="2147483697" r:id="rId1"/>
+    <p:sldLayoutId id="2147483698" r:id="rId2"/>
+    <p:sldLayoutId id="2147483699" r:id="rId3"/>
+    <p:sldLayoutId id="2147483700" r:id="rId4"/>
+    <p:sldLayoutId id="2147483701" r:id="rId5"/>
+    <p:sldLayoutId id="2147483702" r:id="rId6"/>
+    <p:sldLayoutId id="2147483703" r:id="rId7"/>
+    <p:sldLayoutId id="2147483704" r:id="rId8"/>
+    <p:sldLayoutId id="2147483705" r:id="rId9"/>
+    <p:sldLayoutId id="2147483706" r:id="rId10"/>
+    <p:sldLayoutId id="2147483707" r:id="rId11"/>
   </p:sldLayoutIdLst>
   <p:txStyles>
     <p:titleStyle>
-      <a:lvl1pPr algn="l" defTabSz="914400" rtl="0" eaLnBrk="1" latinLnBrk="0" hangingPunct="1">
+      <a:lvl1pPr algn="l" defTabSz="1856232" rtl="0" eaLnBrk="1" latinLnBrk="0" hangingPunct="1">
         <a:lnSpc>
           <a:spcPct val="90000"/>
         </a:lnSpc>
@@ -2679,7 +2683,7 @@
           <a:spcPct val="0"/>
         </a:spcBef>
         <a:buNone/>
-        <a:defRPr sz="4400" kern="1200">
+        <a:defRPr sz="8932" kern="1200">
           <a:solidFill>
             <a:schemeClr val="tx1"/>
           </a:solidFill>
@@ -2690,16 +2694,16 @@
       </a:lvl1pPr>
     </p:titleStyle>
     <p:bodyStyle>
-      <a:lvl1pPr marL="228600" indent="-228600" algn="l" defTabSz="914400" rtl="0" eaLnBrk="1" latinLnBrk="0" hangingPunct="1">
+      <a:lvl1pPr marL="464058" indent="-464058" algn="l" defTabSz="1856232" rtl="0" eaLnBrk="1" latinLnBrk="0" hangingPunct="1">
         <a:lnSpc>
           <a:spcPct val="90000"/>
         </a:lnSpc>
         <a:spcBef>
-          <a:spcPts val="1000"/>
+          <a:spcPts val="2030"/>
         </a:spcBef>
         <a:buFont typeface="Arial" panose="020B0604020202020204" pitchFamily="34" charset="0"/>
         <a:buChar char="•"/>
-        <a:defRPr sz="2800" kern="1200">
+        <a:defRPr sz="5684" kern="1200">
           <a:solidFill>
             <a:schemeClr val="tx1"/>
           </a:solidFill>
@@ -2708,16 +2712,16 @@
           <a:cs typeface="+mn-cs"/>
         </a:defRPr>
       </a:lvl1pPr>
-      <a:lvl2pPr marL="685800" indent="-228600" algn="l" defTabSz="914400" rtl="0" eaLnBrk="1" latinLnBrk="0" hangingPunct="1">
+      <a:lvl2pPr marL="1392174" indent="-464058" algn="l" defTabSz="1856232" rtl="0" eaLnBrk="1" latinLnBrk="0" hangingPunct="1">
         <a:lnSpc>
           <a:spcPct val="90000"/>
         </a:lnSpc>
         <a:spcBef>
-          <a:spcPts val="500"/>
+          <a:spcPts val="1015"/>
         </a:spcBef>
         <a:buFont typeface="Arial" panose="020B0604020202020204" pitchFamily="34" charset="0"/>
         <a:buChar char="•"/>
-        <a:defRPr sz="2400" kern="1200">
+        <a:defRPr sz="4872" kern="1200">
           <a:solidFill>
             <a:schemeClr val="tx1"/>
           </a:solidFill>
@@ -2726,16 +2730,16 @@
           <a:cs typeface="+mn-cs"/>
         </a:defRPr>
       </a:lvl2pPr>
-      <a:lvl3pPr marL="1143000" indent="-228600" algn="l" defTabSz="914400" rtl="0" eaLnBrk="1" latinLnBrk="0" hangingPunct="1">
+      <a:lvl3pPr marL="2320290" indent="-464058" algn="l" defTabSz="1856232" rtl="0" eaLnBrk="1" latinLnBrk="0" hangingPunct="1">
         <a:lnSpc>
           <a:spcPct val="90000"/>
         </a:lnSpc>
         <a:spcBef>
-          <a:spcPts val="500"/>
+          <a:spcPts val="1015"/>
         </a:spcBef>
         <a:buFont typeface="Arial" panose="020B0604020202020204" pitchFamily="34" charset="0"/>
         <a:buChar char="•"/>
-        <a:defRPr sz="2000" kern="1200">
+        <a:defRPr sz="4060" kern="1200">
           <a:solidFill>
             <a:schemeClr val="tx1"/>
           </a:solidFill>
@@ -2744,16 +2748,16 @@
           <a:cs typeface="+mn-cs"/>
         </a:defRPr>
       </a:lvl3pPr>
-      <a:lvl4pPr marL="1600200" indent="-228600" algn="l" defTabSz="914400" rtl="0" eaLnBrk="1" latinLnBrk="0" hangingPunct="1">
+      <a:lvl4pPr marL="3248406" indent="-464058" algn="l" defTabSz="1856232" rtl="0" eaLnBrk="1" latinLnBrk="0" hangingPunct="1">
         <a:lnSpc>
           <a:spcPct val="90000"/>
         </a:lnSpc>
         <a:spcBef>
-          <a:spcPts val="500"/>
+          <a:spcPts val="1015"/>
         </a:spcBef>
         <a:buFont typeface="Arial" panose="020B0604020202020204" pitchFamily="34" charset="0"/>
         <a:buChar char="•"/>
-        <a:defRPr sz="1800" kern="1200">
+        <a:defRPr sz="3654" kern="1200">
           <a:solidFill>
             <a:schemeClr val="tx1"/>
           </a:solidFill>
@@ -2762,16 +2766,16 @@
           <a:cs typeface="+mn-cs"/>
         </a:defRPr>
       </a:lvl4pPr>
-      <a:lvl5pPr marL="2057400" indent="-228600" algn="l" defTabSz="914400" rtl="0" eaLnBrk="1" latinLnBrk="0" hangingPunct="1">
+      <a:lvl5pPr marL="4176522" indent="-464058" algn="l" defTabSz="1856232" rtl="0" eaLnBrk="1" latinLnBrk="0" hangingPunct="1">
         <a:lnSpc>
           <a:spcPct val="90000"/>
         </a:lnSpc>
         <a:spcBef>
-          <a:spcPts val="500"/>
+          <a:spcPts val="1015"/>
         </a:spcBef>
         <a:buFont typeface="Arial" panose="020B0604020202020204" pitchFamily="34" charset="0"/>
         <a:buChar char="•"/>
-        <a:defRPr sz="1800" kern="1200">
+        <a:defRPr sz="3654" kern="1200">
           <a:solidFill>
             <a:schemeClr val="tx1"/>
           </a:solidFill>
@@ -2780,16 +2784,16 @@
           <a:cs typeface="+mn-cs"/>
         </a:defRPr>
       </a:lvl5pPr>
-      <a:lvl6pPr marL="2514600" indent="-228600" algn="l" defTabSz="914400" rtl="0" eaLnBrk="1" latinLnBrk="0" hangingPunct="1">
+      <a:lvl6pPr marL="5104638" indent="-464058" algn="l" defTabSz="1856232" rtl="0" eaLnBrk="1" latinLnBrk="0" hangingPunct="1">
         <a:lnSpc>
           <a:spcPct val="90000"/>
         </a:lnSpc>
         <a:spcBef>
-          <a:spcPts val="500"/>
+          <a:spcPts val="1015"/>
         </a:spcBef>
         <a:buFont typeface="Arial" panose="020B0604020202020204" pitchFamily="34" charset="0"/>
         <a:buChar char="•"/>
-        <a:defRPr sz="1800" kern="1200">
+        <a:defRPr sz="3654" kern="1200">
           <a:solidFill>
             <a:schemeClr val="tx1"/>
           </a:solidFill>
@@ -2798,16 +2802,16 @@
           <a:cs typeface="+mn-cs"/>
         </a:defRPr>
       </a:lvl6pPr>
-      <a:lvl7pPr marL="2971800" indent="-228600" algn="l" defTabSz="914400" rtl="0" eaLnBrk="1" latinLnBrk="0" hangingPunct="1">
+      <a:lvl7pPr marL="6032754" indent="-464058" algn="l" defTabSz="1856232" rtl="0" eaLnBrk="1" latinLnBrk="0" hangingPunct="1">
         <a:lnSpc>
           <a:spcPct val="90000"/>
         </a:lnSpc>
         <a:spcBef>
-          <a:spcPts val="500"/>
+          <a:spcPts val="1015"/>
         </a:spcBef>
         <a:buFont typeface="Arial" panose="020B0604020202020204" pitchFamily="34" charset="0"/>
         <a:buChar char="•"/>
-        <a:defRPr sz="1800" kern="1200">
+        <a:defRPr sz="3654" kern="1200">
           <a:solidFill>
             <a:schemeClr val="tx1"/>
           </a:solidFill>
@@ -2816,16 +2820,16 @@
           <a:cs typeface="+mn-cs"/>
         </a:defRPr>
       </a:lvl7pPr>
-      <a:lvl8pPr marL="3429000" indent="-228600" algn="l" defTabSz="914400" rtl="0" eaLnBrk="1" latinLnBrk="0" hangingPunct="1">
+      <a:lvl8pPr marL="6960870" indent="-464058" algn="l" defTabSz="1856232" rtl="0" eaLnBrk="1" latinLnBrk="0" hangingPunct="1">
         <a:lnSpc>
           <a:spcPct val="90000"/>
         </a:lnSpc>
         <a:spcBef>
-          <a:spcPts val="500"/>
+          <a:spcPts val="1015"/>
         </a:spcBef>
         <a:buFont typeface="Arial" panose="020B0604020202020204" pitchFamily="34" charset="0"/>
         <a:buChar char="•"/>
-        <a:defRPr sz="1800" kern="1200">
+        <a:defRPr sz="3654" kern="1200">
           <a:solidFill>
             <a:schemeClr val="tx1"/>
           </a:solidFill>
@@ -2834,16 +2838,16 @@
           <a:cs typeface="+mn-cs"/>
         </a:defRPr>
       </a:lvl8pPr>
-      <a:lvl9pPr marL="3886200" indent="-228600" algn="l" defTabSz="914400" rtl="0" eaLnBrk="1" latinLnBrk="0" hangingPunct="1">
+      <a:lvl9pPr marL="7888986" indent="-464058" algn="l" defTabSz="1856232" rtl="0" eaLnBrk="1" latinLnBrk="0" hangingPunct="1">
         <a:lnSpc>
           <a:spcPct val="90000"/>
         </a:lnSpc>
         <a:spcBef>
-          <a:spcPts val="500"/>
+          <a:spcPts val="1015"/>
         </a:spcBef>
         <a:buFont typeface="Arial" panose="020B0604020202020204" pitchFamily="34" charset="0"/>
         <a:buChar char="•"/>
-        <a:defRPr sz="1800" kern="1200">
+        <a:defRPr sz="3654" kern="1200">
           <a:solidFill>
             <a:schemeClr val="tx1"/>
           </a:solidFill>
@@ -2857,8 +2861,8 @@
       <a:defPPr>
         <a:defRPr lang="en-US"/>
       </a:defPPr>
-      <a:lvl1pPr marL="0" algn="l" defTabSz="914400" rtl="0" eaLnBrk="1" latinLnBrk="0" hangingPunct="1">
-        <a:defRPr sz="1800" kern="1200">
+      <a:lvl1pPr marL="0" algn="l" defTabSz="1856232" rtl="0" eaLnBrk="1" latinLnBrk="0" hangingPunct="1">
+        <a:defRPr sz="3654" kern="1200">
           <a:solidFill>
             <a:schemeClr val="tx1"/>
           </a:solidFill>
@@ -2867,8 +2871,8 @@
           <a:cs typeface="+mn-cs"/>
         </a:defRPr>
       </a:lvl1pPr>
-      <a:lvl2pPr marL="457200" algn="l" defTabSz="914400" rtl="0" eaLnBrk="1" latinLnBrk="0" hangingPunct="1">
-        <a:defRPr sz="1800" kern="1200">
+      <a:lvl2pPr marL="928116" algn="l" defTabSz="1856232" rtl="0" eaLnBrk="1" latinLnBrk="0" hangingPunct="1">
+        <a:defRPr sz="3654" kern="1200">
           <a:solidFill>
             <a:schemeClr val="tx1"/>
           </a:solidFill>
@@ -2877,8 +2881,8 @@
           <a:cs typeface="+mn-cs"/>
         </a:defRPr>
       </a:lvl2pPr>
-      <a:lvl3pPr marL="914400" algn="l" defTabSz="914400" rtl="0" eaLnBrk="1" latinLnBrk="0" hangingPunct="1">
-        <a:defRPr sz="1800" kern="1200">
+      <a:lvl3pPr marL="1856232" algn="l" defTabSz="1856232" rtl="0" eaLnBrk="1" latinLnBrk="0" hangingPunct="1">
+        <a:defRPr sz="3654" kern="1200">
           <a:solidFill>
             <a:schemeClr val="tx1"/>
           </a:solidFill>
@@ -2887,8 +2891,8 @@
           <a:cs typeface="+mn-cs"/>
         </a:defRPr>
       </a:lvl3pPr>
-      <a:lvl4pPr marL="1371600" algn="l" defTabSz="914400" rtl="0" eaLnBrk="1" latinLnBrk="0" hangingPunct="1">
-        <a:defRPr sz="1800" kern="1200">
+      <a:lvl4pPr marL="2784348" algn="l" defTabSz="1856232" rtl="0" eaLnBrk="1" latinLnBrk="0" hangingPunct="1">
+        <a:defRPr sz="3654" kern="1200">
           <a:solidFill>
             <a:schemeClr val="tx1"/>
           </a:solidFill>
@@ -2897,8 +2901,8 @@
           <a:cs typeface="+mn-cs"/>
         </a:defRPr>
       </a:lvl4pPr>
-      <a:lvl5pPr marL="1828800" algn="l" defTabSz="914400" rtl="0" eaLnBrk="1" latinLnBrk="0" hangingPunct="1">
-        <a:defRPr sz="1800" kern="1200">
+      <a:lvl5pPr marL="3712464" algn="l" defTabSz="1856232" rtl="0" eaLnBrk="1" latinLnBrk="0" hangingPunct="1">
+        <a:defRPr sz="3654" kern="1200">
           <a:solidFill>
             <a:schemeClr val="tx1"/>
           </a:solidFill>
@@ -2907,8 +2911,8 @@
           <a:cs typeface="+mn-cs"/>
         </a:defRPr>
       </a:lvl5pPr>
-      <a:lvl6pPr marL="2286000" algn="l" defTabSz="914400" rtl="0" eaLnBrk="1" latinLnBrk="0" hangingPunct="1">
-        <a:defRPr sz="1800" kern="1200">
+      <a:lvl6pPr marL="4640580" algn="l" defTabSz="1856232" rtl="0" eaLnBrk="1" latinLnBrk="0" hangingPunct="1">
+        <a:defRPr sz="3654" kern="1200">
           <a:solidFill>
             <a:schemeClr val="tx1"/>
           </a:solidFill>
@@ -2917,8 +2921,8 @@
           <a:cs typeface="+mn-cs"/>
         </a:defRPr>
       </a:lvl6pPr>
-      <a:lvl7pPr marL="2743200" algn="l" defTabSz="914400" rtl="0" eaLnBrk="1" latinLnBrk="0" hangingPunct="1">
-        <a:defRPr sz="1800" kern="1200">
+      <a:lvl7pPr marL="5568696" algn="l" defTabSz="1856232" rtl="0" eaLnBrk="1" latinLnBrk="0" hangingPunct="1">
+        <a:defRPr sz="3654" kern="1200">
           <a:solidFill>
             <a:schemeClr val="tx1"/>
           </a:solidFill>
@@ -2927,8 +2931,8 @@
           <a:cs typeface="+mn-cs"/>
         </a:defRPr>
       </a:lvl7pPr>
-      <a:lvl8pPr marL="3200400" algn="l" defTabSz="914400" rtl="0" eaLnBrk="1" latinLnBrk="0" hangingPunct="1">
-        <a:defRPr sz="1800" kern="1200">
+      <a:lvl8pPr marL="6496812" algn="l" defTabSz="1856232" rtl="0" eaLnBrk="1" latinLnBrk="0" hangingPunct="1">
+        <a:defRPr sz="3654" kern="1200">
           <a:solidFill>
             <a:schemeClr val="tx1"/>
           </a:solidFill>
@@ -2937,8 +2941,8 @@
           <a:cs typeface="+mn-cs"/>
         </a:defRPr>
       </a:lvl8pPr>
-      <a:lvl9pPr marL="3657600" algn="l" defTabSz="914400" rtl="0" eaLnBrk="1" latinLnBrk="0" hangingPunct="1">
-        <a:defRPr sz="1800" kern="1200">
+      <a:lvl9pPr marL="7424928" algn="l" defTabSz="1856232" rtl="0" eaLnBrk="1" latinLnBrk="0" hangingPunct="1">
+        <a:defRPr sz="3654" kern="1200">
           <a:solidFill>
             <a:schemeClr val="tx1"/>
           </a:solidFill>
@@ -2977,8 +2981,8 @@
         </p:nvSpPr>
         <p:spPr>
           <a:xfrm>
-            <a:off x="546100" y="2438400"/>
-            <a:ext cx="1511300" cy="990600"/>
+            <a:off x="1296357" y="4647012"/>
+            <a:ext cx="2760395" cy="1600200"/>
           </a:xfrm>
           <a:prstGeom prst="flowChartMagneticDisk">
             <a:avLst/>
@@ -3004,14 +3008,10 @@
           <a:p>
             <a:pPr algn="ctr"/>
             <a:r>
-              <a:rPr lang="en-US" smtClean="0"/>
-              <a:t>Data set </a:t>
-            </a:r>
-            <a:r>
-              <a:rPr lang="en-US" err="1" smtClean="0"/>
-              <a:t>awal</a:t>
-            </a:r>
-            <a:endParaRPr lang="en-US"/>
+              <a:rPr lang="en-US" sz="2400" smtClean="0"/>
+              <a:t>Berkas musik yang akan dikelompokan</a:t>
+            </a:r>
+            <a:endParaRPr lang="en-US" sz="2400"/>
           </a:p>
         </p:txBody>
       </p:sp>
@@ -3023,8 +3023,8 @@
         </p:nvSpPr>
         <p:spPr>
           <a:xfrm>
-            <a:off x="2411436" y="2641600"/>
-            <a:ext cx="1485900" cy="584200"/>
+            <a:off x="1785015" y="8199120"/>
+            <a:ext cx="1783080" cy="701040"/>
           </a:xfrm>
           <a:prstGeom prst="flowChartProcess">
             <a:avLst/>
@@ -3050,10 +3050,10 @@
           <a:p>
             <a:pPr algn="ctr"/>
             <a:r>
-              <a:rPr lang="en-US"/>
+              <a:rPr lang="en-US" sz="2400"/>
               <a:t>Mengklaster data awal</a:t>
             </a:r>
-            <a:endParaRPr lang="en-US" i="1"/>
+            <a:endParaRPr lang="en-US" sz="2400" i="1"/>
           </a:p>
         </p:txBody>
       </p:sp>
@@ -3065,8 +3065,8 @@
         </p:nvSpPr>
         <p:spPr>
           <a:xfrm>
-            <a:off x="4508500" y="2438400"/>
-            <a:ext cx="1485900" cy="990600"/>
+            <a:off x="4579801" y="7955280"/>
+            <a:ext cx="1783080" cy="1188720"/>
           </a:xfrm>
           <a:prstGeom prst="flowChartProcess">
             <a:avLst/>
@@ -3092,18 +3092,18 @@
           <a:p>
             <a:pPr algn="ctr"/>
             <a:r>
-              <a:rPr lang="en-US"/>
+              <a:rPr lang="en-US" sz="2400"/>
               <a:t>Membuat </a:t>
             </a:r>
             <a:r>
-              <a:rPr lang="en-US" i="1"/>
+              <a:rPr lang="en-US" sz="2400" i="1"/>
               <a:t>searching </a:t>
             </a:r>
             <a:r>
-              <a:rPr lang="en-US" i="1" smtClean="0"/>
+              <a:rPr lang="en-US" sz="2400" i="1"/>
               <a:t>tree root</a:t>
             </a:r>
-            <a:endParaRPr lang="en-US" i="1"/>
+            <a:endParaRPr lang="en-US" sz="2400" i="1"/>
           </a:p>
         </p:txBody>
       </p:sp>
@@ -3115,8 +3115,8 @@
         </p:nvSpPr>
         <p:spPr>
           <a:xfrm>
-            <a:off x="6814580" y="2241550"/>
-            <a:ext cx="1485900" cy="1384300"/>
+            <a:off x="8010014" y="7719060"/>
+            <a:ext cx="2029335" cy="1661160"/>
           </a:xfrm>
           <a:prstGeom prst="flowChartProcess">
             <a:avLst/>
@@ -3142,26 +3142,26 @@
           <a:p>
             <a:pPr algn="ctr"/>
             <a:r>
-              <a:rPr lang="en-US" err="1" smtClean="0"/>
+              <a:rPr lang="en-US" sz="2400" err="1"/>
               <a:t>Menentukan</a:t>
             </a:r>
             <a:r>
-              <a:rPr lang="en-US" smtClean="0"/>
+              <a:rPr lang="en-US" sz="2400"/>
               <a:t> </a:t>
             </a:r>
             <a:r>
-              <a:rPr lang="en-US" err="1" smtClean="0"/>
+              <a:rPr lang="en-US" sz="2400" err="1"/>
               <a:t>titik-titik</a:t>
             </a:r>
             <a:r>
-              <a:rPr lang="en-US" smtClean="0"/>
+              <a:rPr lang="en-US" sz="2400"/>
               <a:t> </a:t>
             </a:r>
             <a:r>
-              <a:rPr lang="en-US" err="1" smtClean="0"/>
+              <a:rPr lang="en-US" sz="2400" err="1"/>
               <a:t>representatif</a:t>
             </a:r>
-            <a:endParaRPr lang="en-US"/>
+            <a:endParaRPr lang="en-US" sz="2400"/>
           </a:p>
         </p:txBody>
       </p:sp>
@@ -3173,8 +3173,8 @@
         </p:nvSpPr>
         <p:spPr>
           <a:xfrm>
-            <a:off x="8890000" y="2241550"/>
-            <a:ext cx="2501900" cy="1384300"/>
+            <a:off x="7515351" y="10203346"/>
+            <a:ext cx="3002280" cy="2038350"/>
           </a:xfrm>
           <a:prstGeom prst="flowChartProcess">
             <a:avLst/>
@@ -3200,74 +3200,74 @@
           <a:p>
             <a:pPr algn="ctr"/>
             <a:r>
-              <a:rPr lang="en-US" err="1" smtClean="0"/>
+              <a:rPr lang="en-US" sz="2400" err="1"/>
               <a:t>Mencari</a:t>
             </a:r>
             <a:r>
-              <a:rPr lang="en-US" smtClean="0"/>
+              <a:rPr lang="en-US" sz="2400"/>
               <a:t> </a:t>
             </a:r>
             <a:r>
-              <a:rPr lang="en-US" i="1"/>
+              <a:rPr lang="en-US" sz="2400" i="1"/>
               <a:t>n</a:t>
             </a:r>
             <a:r>
-              <a:rPr lang="en-US" i="1" smtClean="0"/>
+              <a:rPr lang="en-US" sz="2400" i="1"/>
               <a:t>eighbors </a:t>
             </a:r>
             <a:r>
-              <a:rPr lang="en-US" err="1" smtClean="0"/>
+              <a:rPr lang="en-US" sz="2400" err="1"/>
               <a:t>pada</a:t>
             </a:r>
             <a:r>
-              <a:rPr lang="en-US" smtClean="0"/>
+              <a:rPr lang="en-US" sz="2400"/>
               <a:t> </a:t>
             </a:r>
             <a:r>
-              <a:rPr lang="en-US" err="1" smtClean="0"/>
+              <a:rPr lang="en-US" sz="2400" err="1"/>
               <a:t>titik-titik</a:t>
             </a:r>
             <a:r>
-              <a:rPr lang="en-US" smtClean="0"/>
+              <a:rPr lang="en-US" sz="2400"/>
               <a:t> representative </a:t>
             </a:r>
             <a:r>
-              <a:rPr lang="en-US" err="1" smtClean="0"/>
+              <a:rPr lang="en-US" sz="2400" err="1"/>
               <a:t>untuk</a:t>
             </a:r>
             <a:r>
-              <a:rPr lang="en-US" smtClean="0"/>
+              <a:rPr lang="en-US" sz="2400"/>
               <a:t> </a:t>
             </a:r>
             <a:r>
-              <a:rPr lang="en-US" err="1" smtClean="0"/>
+              <a:rPr lang="en-US" sz="2400" err="1"/>
               <a:t>mencari</a:t>
             </a:r>
             <a:r>
-              <a:rPr lang="en-US" smtClean="0"/>
+              <a:rPr lang="en-US" sz="2400"/>
               <a:t> </a:t>
             </a:r>
             <a:r>
-              <a:rPr lang="en-US" err="1" smtClean="0"/>
+              <a:rPr lang="en-US" sz="2400" err="1"/>
               <a:t>dan</a:t>
             </a:r>
             <a:r>
-              <a:rPr lang="en-US" smtClean="0"/>
+              <a:rPr lang="en-US" sz="2400"/>
               <a:t> </a:t>
             </a:r>
             <a:r>
-              <a:rPr lang="en-US" err="1" smtClean="0"/>
+              <a:rPr lang="en-US" sz="2400" err="1"/>
               <a:t>memperbaharui</a:t>
             </a:r>
             <a:r>
-              <a:rPr lang="en-US" smtClean="0"/>
+              <a:rPr lang="en-US" sz="2400"/>
               <a:t> </a:t>
             </a:r>
             <a:r>
-              <a:rPr lang="en-US" i="1" smtClean="0"/>
+              <a:rPr lang="en-US" sz="2400" i="1"/>
               <a:t>graph</a:t>
             </a:r>
-            <a:endParaRPr lang="en-US" i="1"/>
+            <a:endParaRPr lang="en-US" sz="2400" i="1"/>
           </a:p>
         </p:txBody>
       </p:sp>
@@ -3279,8 +3279,8 @@
         </p:nvSpPr>
         <p:spPr>
           <a:xfrm>
-            <a:off x="6210300" y="371475"/>
-            <a:ext cx="2082800" cy="939800"/>
+            <a:off x="6925494" y="4195437"/>
+            <a:ext cx="3711787" cy="1630680"/>
           </a:xfrm>
           <a:prstGeom prst="flowChartMagneticDisk">
             <a:avLst/>
@@ -3306,53 +3306,25 @@
           <a:p>
             <a:pPr algn="ctr"/>
             <a:r>
-              <a:rPr lang="en-US" i="1" smtClean="0"/>
-              <a:t>Incremental Data Blocks ( </a:t>
-            </a:r>
-            <a:r>
-              <a:rPr lang="en-US" smtClean="0"/>
-              <a:t>∆U )</a:t>
-            </a:r>
-            <a:endParaRPr lang="en-US" i="1"/>
-          </a:p>
-        </p:txBody>
-      </p:sp>
-      <p:cxnSp>
-        <p:nvCxnSpPr>
-          <p:cNvPr id="17" name="Straight Arrow Connector 16"/>
-          <p:cNvCxnSpPr>
-            <a:stCxn id="4" idx="4"/>
-            <a:endCxn id="5" idx="1"/>
-          </p:cNvCxnSpPr>
-          <p:nvPr/>
-        </p:nvCxnSpPr>
-        <p:spPr>
-          <a:xfrm>
-            <a:off x="2057400" y="2933700"/>
-            <a:ext cx="354036" cy="0"/>
-          </a:xfrm>
-          <a:prstGeom prst="straightConnector1">
-            <a:avLst/>
-          </a:prstGeom>
-          <a:ln>
-            <a:tailEnd type="triangle"/>
-          </a:ln>
-        </p:spPr>
-        <p:style>
-          <a:lnRef idx="2">
-            <a:schemeClr val="dk1"/>
-          </a:lnRef>
-          <a:fillRef idx="1">
-            <a:schemeClr val="lt1"/>
-          </a:fillRef>
-          <a:effectRef idx="0">
-            <a:schemeClr val="dk1"/>
-          </a:effectRef>
-          <a:fontRef idx="minor">
-            <a:schemeClr val="dk1"/>
-          </a:fontRef>
-        </p:style>
-      </p:cxnSp>
+              <a:rPr lang="en-US" sz="2400"/>
+              <a:t>Berkas </a:t>
+            </a:r>
+            <a:r>
+              <a:rPr lang="en-US" sz="2400"/>
+              <a:t>musik </a:t>
+            </a:r>
+            <a:r>
+              <a:rPr lang="en-US" sz="2400" smtClean="0"/>
+              <a:t>tambahan yang </a:t>
+            </a:r>
+            <a:r>
+              <a:rPr lang="en-US" sz="2400"/>
+              <a:t>akan dikelompokan</a:t>
+            </a:r>
+            <a:endParaRPr lang="en-US" sz="2400"/>
+          </a:p>
+        </p:txBody>
+      </p:sp>
       <p:cxnSp>
         <p:nvCxnSpPr>
           <p:cNvPr id="19" name="Straight Arrow Connector 18"/>
@@ -3364,8 +3336,8 @@
         </p:nvCxnSpPr>
         <p:spPr>
           <a:xfrm>
-            <a:off x="3897336" y="2933700"/>
-            <a:ext cx="611164" cy="0"/>
+            <a:off x="3568095" y="8549640"/>
+            <a:ext cx="1011706" cy="0"/>
           </a:xfrm>
           <a:prstGeom prst="straightConnector1">
             <a:avLst/>
@@ -3400,8 +3372,8 @@
         </p:nvCxnSpPr>
         <p:spPr>
           <a:xfrm>
-            <a:off x="5994400" y="2933700"/>
-            <a:ext cx="820180" cy="0"/>
+            <a:off x="6362881" y="8549640"/>
+            <a:ext cx="1647133" cy="0"/>
           </a:xfrm>
           <a:prstGeom prst="straightConnector1">
             <a:avLst/>
@@ -3429,15 +3401,15 @@
         <p:nvCxnSpPr>
           <p:cNvPr id="23" name="Straight Arrow Connector 22"/>
           <p:cNvCxnSpPr>
-            <a:stCxn id="7" idx="3"/>
-            <a:endCxn id="8" idx="1"/>
+            <a:stCxn id="7" idx="2"/>
+            <a:endCxn id="8" idx="0"/>
           </p:cNvCxnSpPr>
           <p:nvPr/>
         </p:nvCxnSpPr>
         <p:spPr>
-          <a:xfrm>
-            <a:off x="8300480" y="2933700"/>
-            <a:ext cx="589520" cy="0"/>
+          <a:xfrm flipH="1">
+            <a:off x="9016491" y="9380220"/>
+            <a:ext cx="8191" cy="823126"/>
           </a:xfrm>
           <a:prstGeom prst="straightConnector1">
             <a:avLst/>
@@ -3461,29 +3433,20 @@
           </a:fontRef>
         </p:style>
       </p:cxnSp>
-      <p:cxnSp>
-        <p:nvCxnSpPr>
-          <p:cNvPr id="27" name="Elbow Connector 26"/>
-          <p:cNvCxnSpPr>
-            <a:stCxn id="8" idx="3"/>
-          </p:cNvCxnSpPr>
+      <p:sp>
+        <p:nvSpPr>
+          <p:cNvPr id="40" name="TextBox 39"/>
+          <p:cNvSpPr txBox="1"/>
           <p:nvPr/>
-        </p:nvCxnSpPr>
-        <p:spPr>
-          <a:xfrm flipH="1">
-            <a:off x="6210300" y="2933700"/>
-            <a:ext cx="5181600" cy="12700"/>
-          </a:xfrm>
-          <a:prstGeom prst="bentConnector5">
-            <a:avLst>
-              <a:gd name="adj1" fmla="val -12255"/>
-              <a:gd name="adj2" fmla="val 8950000"/>
-              <a:gd name="adj3" fmla="val 99877"/>
-            </a:avLst>
+        </p:nvSpPr>
+        <p:spPr>
+          <a:xfrm>
+            <a:off x="1431600" y="12677156"/>
+            <a:ext cx="4931281" cy="400110"/>
+          </a:xfrm>
+          <a:prstGeom prst="rect">
+            <a:avLst/>
           </a:prstGeom>
-          <a:ln>
-            <a:tailEnd type="triangle"/>
-          </a:ln>
         </p:spPr>
         <p:style>
           <a:lnRef idx="2">
@@ -3499,19 +3462,213 @@
             <a:schemeClr val="dk1"/>
           </a:fontRef>
         </p:style>
-      </p:cxnSp>
+        <p:txBody>
+          <a:bodyPr wrap="square" rtlCol="0">
+            <a:spAutoFit/>
+          </a:bodyPr>
+          <a:lstStyle/>
+          <a:p>
+            <a:pPr algn="ctr"/>
+            <a:r>
+              <a:rPr lang="en-US" sz="2000" i="1"/>
+              <a:t>Overlapping clustering the static data</a:t>
+            </a:r>
+            <a:endParaRPr lang="en-US" sz="2000" i="1"/>
+          </a:p>
+        </p:txBody>
+      </p:sp>
+      <p:sp>
+        <p:nvSpPr>
+          <p:cNvPr id="41" name="TextBox 40"/>
+          <p:cNvSpPr txBox="1"/>
+          <p:nvPr/>
+        </p:nvSpPr>
+        <p:spPr>
+          <a:xfrm>
+            <a:off x="7687216" y="12677156"/>
+            <a:ext cx="4931281" cy="400110"/>
+          </a:xfrm>
+          <a:prstGeom prst="rect">
+            <a:avLst/>
+          </a:prstGeom>
+        </p:spPr>
+        <p:style>
+          <a:lnRef idx="2">
+            <a:schemeClr val="dk1"/>
+          </a:lnRef>
+          <a:fillRef idx="1">
+            <a:schemeClr val="lt1"/>
+          </a:fillRef>
+          <a:effectRef idx="0">
+            <a:schemeClr val="dk1"/>
+          </a:effectRef>
+          <a:fontRef idx="minor">
+            <a:schemeClr val="dk1"/>
+          </a:fontRef>
+        </p:style>
+        <p:txBody>
+          <a:bodyPr wrap="square" rtlCol="0">
+            <a:spAutoFit/>
+          </a:bodyPr>
+          <a:lstStyle/>
+          <a:p>
+            <a:pPr algn="ctr"/>
+            <a:r>
+              <a:rPr lang="en-US" sz="2000" i="1"/>
+              <a:t>Overlapping clustering the incremental data</a:t>
+            </a:r>
+            <a:endParaRPr lang="en-US" sz="2000" i="1"/>
+          </a:p>
+        </p:txBody>
+      </p:sp>
       <p:cxnSp>
         <p:nvCxnSpPr>
-          <p:cNvPr id="33" name="Straight Arrow Connector 32"/>
+          <p:cNvPr id="43" name="Straight Connector 42"/>
+          <p:cNvCxnSpPr/>
+          <p:nvPr/>
+        </p:nvCxnSpPr>
+        <p:spPr>
+          <a:xfrm>
+            <a:off x="6724650" y="3943350"/>
+            <a:ext cx="15341" cy="9582150"/>
+          </a:xfrm>
+          <a:prstGeom prst="line">
+            <a:avLst/>
+          </a:prstGeom>
+          <a:ln w="28575">
+            <a:prstDash val="dash"/>
+          </a:ln>
+        </p:spPr>
+        <p:style>
+          <a:lnRef idx="2">
+            <a:schemeClr val="dk1"/>
+          </a:lnRef>
+          <a:fillRef idx="1">
+            <a:schemeClr val="lt1"/>
+          </a:fillRef>
+          <a:effectRef idx="0">
+            <a:schemeClr val="dk1"/>
+          </a:effectRef>
+          <a:fontRef idx="minor">
+            <a:schemeClr val="dk1"/>
+          </a:fontRef>
+        </p:style>
+      </p:cxnSp>
+      <p:sp>
+        <p:nvSpPr>
+          <p:cNvPr id="13" name="TextBox 12"/>
+          <p:cNvSpPr txBox="1"/>
+          <p:nvPr/>
+        </p:nvSpPr>
+        <p:spPr>
+          <a:xfrm>
+            <a:off x="3749447" y="8187933"/>
+            <a:ext cx="845168" cy="369332"/>
+          </a:xfrm>
+          <a:prstGeom prst="rect">
+            <a:avLst/>
+          </a:prstGeom>
+          <a:noFill/>
+        </p:spPr>
+        <p:txBody>
+          <a:bodyPr wrap="none" rtlCol="0">
+            <a:spAutoFit/>
+          </a:bodyPr>
+          <a:lstStyle/>
+          <a:p>
+            <a:r>
+              <a:rPr lang="en-US" b="1" i="1"/>
+              <a:t>Cluster</a:t>
+            </a:r>
+            <a:endParaRPr lang="en-US" b="1" i="1"/>
+          </a:p>
+        </p:txBody>
+      </p:sp>
+      <p:sp>
+        <p:nvSpPr>
+          <p:cNvPr id="28" name="TextBox 27"/>
+          <p:cNvSpPr txBox="1"/>
+          <p:nvPr/>
+        </p:nvSpPr>
+        <p:spPr>
+          <a:xfrm>
+            <a:off x="3749450" y="8542027"/>
+            <a:ext cx="779381" cy="369332"/>
+          </a:xfrm>
+          <a:prstGeom prst="rect">
+            <a:avLst/>
+          </a:prstGeom>
+          <a:noFill/>
+        </p:spPr>
+        <p:txBody>
+          <a:bodyPr wrap="none" rtlCol="0">
+            <a:spAutoFit/>
+          </a:bodyPr>
+          <a:lstStyle/>
+          <a:p>
+            <a:r>
+              <a:rPr lang="en-US" b="1" i="1"/>
+              <a:t>Graph</a:t>
+            </a:r>
+            <a:endParaRPr lang="en-US" b="1" i="1"/>
+          </a:p>
+        </p:txBody>
+      </p:sp>
+      <p:sp>
+        <p:nvSpPr>
+          <p:cNvPr id="29" name="Flowchart: Process 28"/>
+          <p:cNvSpPr/>
+          <p:nvPr/>
+        </p:nvSpPr>
+        <p:spPr>
+          <a:xfrm>
+            <a:off x="1785015" y="6730208"/>
+            <a:ext cx="1783080" cy="701040"/>
+          </a:xfrm>
+          <a:prstGeom prst="flowChartProcess">
+            <a:avLst/>
+          </a:prstGeom>
+        </p:spPr>
+        <p:style>
+          <a:lnRef idx="2">
+            <a:schemeClr val="dk1"/>
+          </a:lnRef>
+          <a:fillRef idx="1">
+            <a:schemeClr val="lt1"/>
+          </a:fillRef>
+          <a:effectRef idx="0">
+            <a:schemeClr val="dk1"/>
+          </a:effectRef>
+          <a:fontRef idx="minor">
+            <a:schemeClr val="dk1"/>
+          </a:fontRef>
+        </p:style>
+        <p:txBody>
+          <a:bodyPr rtlCol="0" anchor="ctr"/>
+          <a:lstStyle/>
+          <a:p>
+            <a:pPr algn="ctr"/>
+            <a:r>
+              <a:rPr lang="en-US" sz="2400" smtClean="0"/>
+              <a:t>Ekstraksi fitur</a:t>
+            </a:r>
+            <a:endParaRPr lang="en-US" sz="2400" i="1"/>
+          </a:p>
+        </p:txBody>
+      </p:sp>
+      <p:cxnSp>
+        <p:nvCxnSpPr>
+          <p:cNvPr id="14" name="Straight Arrow Connector 13"/>
           <p:cNvCxnSpPr>
-            <a:stCxn id="9" idx="2"/>
+            <a:stCxn id="29" idx="2"/>
+            <a:endCxn id="5" idx="0"/>
           </p:cNvCxnSpPr>
           <p:nvPr/>
         </p:nvCxnSpPr>
         <p:spPr>
           <a:xfrm>
-            <a:off x="6210300" y="841375"/>
-            <a:ext cx="0" cy="2079626"/>
+            <a:off x="2676555" y="7431248"/>
+            <a:ext cx="0" cy="767872"/>
           </a:xfrm>
           <a:prstGeom prst="straightConnector1">
             <a:avLst/>
@@ -3521,6 +3678,72 @@
           </a:ln>
         </p:spPr>
         <p:style>
+          <a:lnRef idx="1">
+            <a:schemeClr val="dk1"/>
+          </a:lnRef>
+          <a:fillRef idx="0">
+            <a:schemeClr val="dk1"/>
+          </a:fillRef>
+          <a:effectRef idx="0">
+            <a:schemeClr val="dk1"/>
+          </a:effectRef>
+          <a:fontRef idx="minor">
+            <a:schemeClr val="tx1"/>
+          </a:fontRef>
+        </p:style>
+      </p:cxnSp>
+      <p:cxnSp>
+        <p:nvCxnSpPr>
+          <p:cNvPr id="18" name="Straight Arrow Connector 17"/>
+          <p:cNvCxnSpPr>
+            <a:stCxn id="4" idx="3"/>
+            <a:endCxn id="29" idx="0"/>
+          </p:cNvCxnSpPr>
+          <p:nvPr/>
+        </p:nvCxnSpPr>
+        <p:spPr>
+          <a:xfrm>
+            <a:off x="2676555" y="6247212"/>
+            <a:ext cx="0" cy="482996"/>
+          </a:xfrm>
+          <a:prstGeom prst="straightConnector1">
+            <a:avLst/>
+          </a:prstGeom>
+          <a:ln>
+            <a:tailEnd type="triangle"/>
+          </a:ln>
+        </p:spPr>
+        <p:style>
+          <a:lnRef idx="1">
+            <a:schemeClr val="dk1"/>
+          </a:lnRef>
+          <a:fillRef idx="0">
+            <a:schemeClr val="dk1"/>
+          </a:fillRef>
+          <a:effectRef idx="0">
+            <a:schemeClr val="dk1"/>
+          </a:effectRef>
+          <a:fontRef idx="minor">
+            <a:schemeClr val="tx1"/>
+          </a:fontRef>
+        </p:style>
+      </p:cxnSp>
+      <p:sp>
+        <p:nvSpPr>
+          <p:cNvPr id="35" name="Flowchart: Process 34"/>
+          <p:cNvSpPr/>
+          <p:nvPr/>
+        </p:nvSpPr>
+        <p:spPr>
+          <a:xfrm>
+            <a:off x="7889848" y="6343016"/>
+            <a:ext cx="1783080" cy="701040"/>
+          </a:xfrm>
+          <a:prstGeom prst="flowChartProcess">
+            <a:avLst/>
+          </a:prstGeom>
+        </p:spPr>
+        <p:style>
           <a:lnRef idx="2">
             <a:schemeClr val="dk1"/>
           </a:lnRef>
@@ -3534,24 +3757,106 @@
             <a:schemeClr val="dk1"/>
           </a:fontRef>
         </p:style>
-      </p:cxnSp>
-      <p:sp>
-        <p:nvSpPr>
-          <p:cNvPr id="36" name="TextBox 35"/>
-          <p:cNvSpPr txBox="1"/>
+        <p:txBody>
+          <a:bodyPr rtlCol="0" anchor="ctr"/>
+          <a:lstStyle/>
+          <a:p>
+            <a:pPr algn="ctr"/>
+            <a:r>
+              <a:rPr lang="en-US" sz="2400" smtClean="0"/>
+              <a:t>Ekstraksi fitur</a:t>
+            </a:r>
+            <a:endParaRPr lang="en-US" sz="2400" i="1"/>
+          </a:p>
+        </p:txBody>
+      </p:sp>
+      <p:cxnSp>
+        <p:nvCxnSpPr>
+          <p:cNvPr id="24" name="Straight Arrow Connector 23"/>
+          <p:cNvCxnSpPr>
+            <a:stCxn id="9" idx="3"/>
+            <a:endCxn id="35" idx="0"/>
+          </p:cNvCxnSpPr>
           <p:nvPr/>
-        </p:nvSpPr>
-        <p:spPr>
-          <a:xfrm>
-            <a:off x="9118600" y="977900"/>
-            <a:ext cx="1848006" cy="369332"/>
-          </a:xfrm>
-          <a:prstGeom prst="rect">
+        </p:nvCxnSpPr>
+        <p:spPr>
+          <a:xfrm>
+            <a:off x="8781388" y="5826117"/>
+            <a:ext cx="0" cy="516899"/>
+          </a:xfrm>
+          <a:prstGeom prst="straightConnector1">
             <a:avLst/>
           </a:prstGeom>
           <a:ln>
-            <a:noFill/>
+            <a:tailEnd type="triangle"/>
           </a:ln>
+        </p:spPr>
+        <p:style>
+          <a:lnRef idx="1">
+            <a:schemeClr val="dk1"/>
+          </a:lnRef>
+          <a:fillRef idx="0">
+            <a:schemeClr val="dk1"/>
+          </a:fillRef>
+          <a:effectRef idx="0">
+            <a:schemeClr val="dk1"/>
+          </a:effectRef>
+          <a:fontRef idx="minor">
+            <a:schemeClr val="tx1"/>
+          </a:fontRef>
+        </p:style>
+      </p:cxnSp>
+      <p:cxnSp>
+        <p:nvCxnSpPr>
+          <p:cNvPr id="50" name="Elbow Connector 49"/>
+          <p:cNvCxnSpPr>
+            <a:stCxn id="35" idx="2"/>
+          </p:cNvCxnSpPr>
+          <p:nvPr/>
+        </p:nvCxnSpPr>
+        <p:spPr>
+          <a:xfrm rot="5400000">
+            <a:off x="7485317" y="7245955"/>
+            <a:ext cx="1497971" cy="1094172"/>
+          </a:xfrm>
+          <a:prstGeom prst="bentConnector3">
+            <a:avLst>
+              <a:gd name="adj1" fmla="val 29652"/>
+            </a:avLst>
+          </a:prstGeom>
+          <a:ln>
+            <a:tailEnd type="triangle"/>
+          </a:ln>
+        </p:spPr>
+        <p:style>
+          <a:lnRef idx="1">
+            <a:schemeClr val="dk1"/>
+          </a:lnRef>
+          <a:fillRef idx="0">
+            <a:schemeClr val="dk1"/>
+          </a:fillRef>
+          <a:effectRef idx="0">
+            <a:schemeClr val="dk1"/>
+          </a:effectRef>
+          <a:fontRef idx="minor">
+            <a:schemeClr val="tx1"/>
+          </a:fontRef>
+        </p:style>
+      </p:cxnSp>
+      <p:sp>
+        <p:nvSpPr>
+          <p:cNvPr id="55" name="Flowchart: Data 54"/>
+          <p:cNvSpPr/>
+          <p:nvPr/>
+        </p:nvSpPr>
+        <p:spPr>
+          <a:xfrm>
+            <a:off x="12515237" y="10420850"/>
+            <a:ext cx="2838450" cy="1610392"/>
+          </a:xfrm>
+          <a:prstGeom prst="flowChartInputOutput">
+            <a:avLst/>
+          </a:prstGeom>
         </p:spPr>
         <p:style>
           <a:lnRef idx="2">
@@ -3568,44 +3873,632 @@
           </a:fontRef>
         </p:style>
         <p:txBody>
+          <a:bodyPr rtlCol="0" anchor="ctr"/>
+          <a:lstStyle/>
+          <a:p>
+            <a:pPr algn="ctr"/>
+            <a:r>
+              <a:rPr lang="en-US" sz="2000" smtClean="0"/>
+              <a:t>Hasil pengelompokan berkas musik</a:t>
+            </a:r>
+            <a:endParaRPr lang="en-US" sz="2000"/>
+          </a:p>
+        </p:txBody>
+      </p:sp>
+      <p:cxnSp>
+        <p:nvCxnSpPr>
+          <p:cNvPr id="61" name="Straight Arrow Connector 60"/>
+          <p:cNvCxnSpPr>
+            <a:stCxn id="8" idx="3"/>
+            <a:endCxn id="55" idx="2"/>
+          </p:cNvCxnSpPr>
+          <p:nvPr/>
+        </p:nvCxnSpPr>
+        <p:spPr>
+          <a:xfrm>
+            <a:off x="10517631" y="11222521"/>
+            <a:ext cx="2281451" cy="3525"/>
+          </a:xfrm>
+          <a:prstGeom prst="straightConnector1">
+            <a:avLst/>
+          </a:prstGeom>
+          <a:ln>
+            <a:tailEnd type="triangle"/>
+          </a:ln>
+        </p:spPr>
+        <p:style>
+          <a:lnRef idx="1">
+            <a:schemeClr val="dk1"/>
+          </a:lnRef>
+          <a:fillRef idx="0">
+            <a:schemeClr val="dk1"/>
+          </a:fillRef>
+          <a:effectRef idx="0">
+            <a:schemeClr val="dk1"/>
+          </a:effectRef>
+          <a:fontRef idx="minor">
+            <a:schemeClr val="tx1"/>
+          </a:fontRef>
+        </p:style>
+      </p:cxnSp>
+      <p:sp>
+        <p:nvSpPr>
+          <p:cNvPr id="64" name="TextBox 63"/>
+          <p:cNvSpPr txBox="1"/>
+          <p:nvPr/>
+        </p:nvSpPr>
+        <p:spPr>
+          <a:xfrm>
+            <a:off x="11063116" y="10868427"/>
+            <a:ext cx="845168" cy="369332"/>
+          </a:xfrm>
+          <a:prstGeom prst="rect">
+            <a:avLst/>
+          </a:prstGeom>
+          <a:noFill/>
+        </p:spPr>
+        <p:txBody>
           <a:bodyPr wrap="none" rtlCol="0">
             <a:spAutoFit/>
           </a:bodyPr>
           <a:lstStyle/>
           <a:p>
             <a:r>
-              <a:rPr lang="en-US" err="1" smtClean="0"/>
-              <a:t>Komputasi</a:t>
-            </a:r>
-            <a:r>
-              <a:rPr lang="en-US" smtClean="0"/>
-              <a:t> </a:t>
-            </a:r>
-            <a:r>
-              <a:rPr lang="en-US" i="1" smtClean="0"/>
-              <a:t>Online</a:t>
-            </a:r>
-            <a:endParaRPr lang="en-US" i="1"/>
-          </a:p>
-        </p:txBody>
-      </p:sp>
-      <p:sp>
-        <p:nvSpPr>
-          <p:cNvPr id="37" name="TextBox 36"/>
+              <a:rPr lang="en-US" b="1" i="1"/>
+              <a:t>Cluster</a:t>
+            </a:r>
+            <a:endParaRPr lang="en-US" b="1" i="1"/>
+          </a:p>
+        </p:txBody>
+      </p:sp>
+      <p:sp>
+        <p:nvSpPr>
+          <p:cNvPr id="65" name="TextBox 64"/>
           <p:cNvSpPr txBox="1"/>
           <p:nvPr/>
         </p:nvSpPr>
         <p:spPr>
           <a:xfrm>
-            <a:off x="2159000" y="981591"/>
-            <a:ext cx="1864998" cy="369332"/>
+            <a:off x="11063119" y="11222521"/>
+            <a:ext cx="779381" cy="369332"/>
           </a:xfrm>
           <a:prstGeom prst="rect">
             <a:avLst/>
           </a:prstGeom>
-          <a:ln>
-            <a:noFill/>
-          </a:ln>
+          <a:noFill/>
+        </p:spPr>
+        <p:txBody>
+          <a:bodyPr wrap="none" rtlCol="0">
+            <a:spAutoFit/>
+          </a:bodyPr>
+          <a:lstStyle/>
+          <a:p>
+            <a:r>
+              <a:rPr lang="en-US" b="1" i="1"/>
+              <a:t>Graph</a:t>
+            </a:r>
+            <a:endParaRPr lang="en-US" b="1" i="1"/>
+          </a:p>
+        </p:txBody>
+      </p:sp>
+    </p:spTree>
+    <p:extLst>
+      <p:ext uri="{BB962C8B-B14F-4D97-AF65-F5344CB8AC3E}">
+        <p14:creationId xmlns:p14="http://schemas.microsoft.com/office/powerpoint/2010/main" val="2891494125"/>
+      </p:ext>
+    </p:extLst>
+  </p:cSld>
+  <p:clrMapOvr>
+    <a:masterClrMapping/>
+  </p:clrMapOvr>
+  <p:timing>
+    <p:tnLst>
+      <p:par>
+        <p:cTn id="1" dur="indefinite" restart="never" nodeType="tmRoot"/>
+      </p:par>
+    </p:tnLst>
+  </p:timing>
+</p:sld>
+</file>
+
+<file path=ppt/slides/slide2.xml><?xml version="1.0" encoding="utf-8"?>
+<p:sld xmlns:a="http://schemas.openxmlformats.org/drawingml/2006/main" xmlns:r="http://schemas.openxmlformats.org/officeDocument/2006/relationships" xmlns:p="http://schemas.openxmlformats.org/presentationml/2006/main">
+  <p:cSld>
+    <p:spTree>
+      <p:nvGrpSpPr>
+        <p:cNvPr id="1" name=""/>
+        <p:cNvGrpSpPr/>
+        <p:nvPr/>
+      </p:nvGrpSpPr>
+      <p:grpSpPr>
+        <a:xfrm>
+          <a:off x="0" y="0"/>
+          <a:ext cx="0" cy="0"/>
+          <a:chOff x="0" y="0"/>
+          <a:chExt cx="0" cy="0"/>
+        </a:xfrm>
+      </p:grpSpPr>
+      <p:sp>
+        <p:nvSpPr>
+          <p:cNvPr id="2" name="Title 1"/>
+          <p:cNvSpPr>
+            <a:spLocks noGrp="1"/>
+          </p:cNvSpPr>
+          <p:nvPr>
+            <p:ph type="title"/>
+          </p:nvPr>
+        </p:nvSpPr>
+        <p:spPr/>
+        <p:txBody>
+          <a:bodyPr/>
+          <a:lstStyle/>
+          <a:p>
+            <a:endParaRPr lang="en-US"/>
+          </a:p>
+        </p:txBody>
+      </p:sp>
+      <p:pic>
+        <p:nvPicPr>
+          <p:cNvPr id="4" name="Picture 3"/>
+          <p:cNvPicPr/>
+          <p:nvPr/>
+        </p:nvPicPr>
+        <p:blipFill>
+          <a:blip r:embed="rId2">
+            <a:extLst>
+              <a:ext uri="{28A0092B-C50C-407E-A947-70E740481C1C}">
+                <a14:useLocalDpi xmlns:a14="http://schemas.microsoft.com/office/drawing/2010/main" val="0"/>
+              </a:ext>
+            </a:extLst>
+          </a:blip>
+          <a:stretch>
+            <a:fillRect/>
+          </a:stretch>
+        </p:blipFill>
+        <p:spPr>
+          <a:xfrm>
+            <a:off x="7794149" y="8713787"/>
+            <a:ext cx="1545590" cy="733425"/>
+          </a:xfrm>
+          <a:prstGeom prst="rect">
+            <a:avLst/>
+          </a:prstGeom>
+        </p:spPr>
+      </p:pic>
+      <p:sp>
+        <p:nvSpPr>
+          <p:cNvPr id="5" name="TextBox 4"/>
+          <p:cNvSpPr txBox="1"/>
+          <p:nvPr/>
+        </p:nvSpPr>
+        <p:spPr>
+          <a:xfrm>
+            <a:off x="7731796" y="10256515"/>
+            <a:ext cx="2911085" cy="430887"/>
+          </a:xfrm>
+          <a:prstGeom prst="rect">
+            <a:avLst/>
+          </a:prstGeom>
+          <a:noFill/>
+        </p:spPr>
+        <p:txBody>
+          <a:bodyPr wrap="square" rtlCol="0">
+            <a:spAutoFit/>
+          </a:bodyPr>
+          <a:lstStyle/>
+          <a:p>
+            <a:r>
+              <a:rPr lang="en-US" sz="700" smtClean="0"/>
+              <a:t>N</a:t>
+            </a:r>
+            <a:r>
+              <a:rPr lang="en-US" sz="700" i="1" smtClean="0"/>
+              <a:t>         </a:t>
+            </a:r>
+            <a:r>
+              <a:rPr lang="en-US" sz="700" smtClean="0"/>
+              <a:t>=</a:t>
+            </a:r>
+            <a:r>
+              <a:rPr lang="en-US" sz="700" i="1" smtClean="0"/>
+              <a:t> </a:t>
+            </a:r>
+            <a:r>
+              <a:rPr lang="en-US" sz="700" smtClean="0"/>
+              <a:t>Jumlah pita frekuensi pada spektrum</a:t>
+            </a:r>
+          </a:p>
+          <a:p>
+            <a:r>
+              <a:rPr lang="en-US" sz="700" smtClean="0"/>
+              <a:t>Mt[n]  = </a:t>
+            </a:r>
+            <a:r>
+              <a:rPr lang="en-US" sz="700" i="1" smtClean="0"/>
+              <a:t>Magnitude </a:t>
+            </a:r>
+            <a:r>
+              <a:rPr lang="en-US" sz="700" smtClean="0"/>
+              <a:t>dari spektrum pada </a:t>
+            </a:r>
+            <a:r>
+              <a:rPr lang="en-US" sz="700" i="1" smtClean="0"/>
+              <a:t>frame </a:t>
+            </a:r>
+            <a:r>
+              <a:rPr lang="en-US" sz="700" smtClean="0"/>
+              <a:t>indeks t dan pita indeks n.</a:t>
+            </a:r>
+          </a:p>
+          <a:p>
+            <a:r>
+              <a:rPr lang="en-US" sz="700"/>
+              <a:t>n</a:t>
+            </a:r>
+            <a:r>
+              <a:rPr lang="en-US" sz="700" smtClean="0"/>
+              <a:t>         = Indeks waktu</a:t>
+            </a:r>
+            <a:endParaRPr lang="en-US" sz="800"/>
+          </a:p>
+        </p:txBody>
+      </p:sp>
+      <p:pic>
+        <p:nvPicPr>
+          <p:cNvPr id="6" name="Picture 5"/>
+          <p:cNvPicPr/>
+          <p:nvPr/>
+        </p:nvPicPr>
+        <p:blipFill>
+          <a:blip r:embed="rId3">
+            <a:extLst>
+              <a:ext uri="{28A0092B-C50C-407E-A947-70E740481C1C}">
+                <a14:useLocalDpi xmlns:a14="http://schemas.microsoft.com/office/drawing/2010/main" val="0"/>
+              </a:ext>
+            </a:extLst>
+          </a:blip>
+          <a:stretch>
+            <a:fillRect/>
+          </a:stretch>
+        </p:blipFill>
+        <p:spPr>
+          <a:xfrm>
+            <a:off x="7662069" y="9393456"/>
+            <a:ext cx="3028950" cy="819150"/>
+          </a:xfrm>
+          <a:prstGeom prst="rect">
+            <a:avLst/>
+          </a:prstGeom>
+        </p:spPr>
+      </p:pic>
+      <p:pic>
+        <p:nvPicPr>
+          <p:cNvPr id="7" name="Picture 6"/>
+          <p:cNvPicPr>
+            <a:picLocks noChangeAspect="1"/>
+          </p:cNvPicPr>
+          <p:nvPr/>
+        </p:nvPicPr>
+        <p:blipFill>
+          <a:blip r:embed="rId4"/>
+          <a:stretch>
+            <a:fillRect/>
+          </a:stretch>
+        </p:blipFill>
+        <p:spPr>
+          <a:xfrm>
+            <a:off x="7794149" y="10710169"/>
+            <a:ext cx="1695450" cy="1190625"/>
+          </a:xfrm>
+          <a:prstGeom prst="rect">
+            <a:avLst/>
+          </a:prstGeom>
+        </p:spPr>
+      </p:pic>
+      <p:sp>
+        <p:nvSpPr>
+          <p:cNvPr id="8" name="TextBox 7"/>
+          <p:cNvSpPr txBox="1"/>
+          <p:nvPr/>
+        </p:nvSpPr>
+        <p:spPr>
+          <a:xfrm>
+            <a:off x="7754977" y="13500466"/>
+            <a:ext cx="3358360" cy="523220"/>
+          </a:xfrm>
+          <a:prstGeom prst="rect">
+            <a:avLst/>
+          </a:prstGeom>
+          <a:noFill/>
+        </p:spPr>
+        <p:txBody>
+          <a:bodyPr wrap="square" rtlCol="0">
+            <a:spAutoFit/>
+          </a:bodyPr>
+          <a:lstStyle/>
+          <a:p>
+            <a:r>
+              <a:rPr lang="en-US" sz="700" smtClean="0"/>
+              <a:t>SFt         = Nilai </a:t>
+            </a:r>
+            <a:r>
+              <a:rPr lang="en-US" sz="700" i="1" smtClean="0"/>
+              <a:t>spectral flux</a:t>
+            </a:r>
+          </a:p>
+          <a:p>
+            <a:r>
+              <a:rPr lang="en-US" sz="700" smtClean="0"/>
+              <a:t>N</a:t>
+            </a:r>
+            <a:r>
+              <a:rPr lang="en-US" sz="700" i="1" smtClean="0"/>
+              <a:t>            </a:t>
+            </a:r>
+            <a:r>
+              <a:rPr lang="en-US" sz="700" smtClean="0"/>
+              <a:t>= Jumlah pita frekuensi pada spektrum</a:t>
+            </a:r>
+          </a:p>
+          <a:p>
+            <a:r>
+              <a:rPr lang="en-US" sz="700" smtClean="0"/>
+              <a:t>Mt[n]     = </a:t>
+            </a:r>
+            <a:r>
+              <a:rPr lang="en-US" sz="700" i="1" smtClean="0"/>
+              <a:t>Magnitude </a:t>
+            </a:r>
+            <a:r>
+              <a:rPr lang="en-US" sz="700" smtClean="0"/>
+              <a:t>dari </a:t>
+            </a:r>
+            <a:r>
+              <a:rPr lang="en-US" sz="700" i="1" smtClean="0"/>
+              <a:t>fourier transform</a:t>
+            </a:r>
+            <a:r>
+              <a:rPr lang="en-US" sz="700" smtClean="0"/>
+              <a:t> pada </a:t>
+            </a:r>
+            <a:r>
+              <a:rPr lang="en-US" sz="700" i="1" smtClean="0"/>
+              <a:t>frame </a:t>
+            </a:r>
+            <a:r>
+              <a:rPr lang="en-US" sz="700" smtClean="0"/>
+              <a:t>indeks t dan pita indeks n.</a:t>
+            </a:r>
+          </a:p>
+          <a:p>
+            <a:r>
+              <a:rPr lang="en-US" sz="700"/>
+              <a:t>Mt-1[n</a:t>
+            </a:r>
+            <a:r>
+              <a:rPr lang="en-US" sz="700"/>
+              <a:t>] </a:t>
+            </a:r>
+            <a:r>
+              <a:rPr lang="en-US" sz="700" smtClean="0"/>
+              <a:t> = </a:t>
+            </a:r>
+            <a:r>
+              <a:rPr lang="en-US" sz="700" i="1"/>
+              <a:t>Magnitude </a:t>
+            </a:r>
+            <a:r>
+              <a:rPr lang="en-US" sz="700"/>
+              <a:t>dari </a:t>
+            </a:r>
+            <a:r>
+              <a:rPr lang="en-US" sz="700" i="1"/>
+              <a:t>fourier transform</a:t>
+            </a:r>
+            <a:r>
+              <a:rPr lang="en-US" sz="700"/>
+              <a:t> pada </a:t>
+            </a:r>
+            <a:r>
+              <a:rPr lang="en-US" sz="700" i="1"/>
+              <a:t>frame </a:t>
+            </a:r>
+            <a:r>
+              <a:rPr lang="en-US" sz="700"/>
+              <a:t>indeks </a:t>
+            </a:r>
+            <a:r>
+              <a:rPr lang="en-US" sz="700"/>
+              <a:t>t </a:t>
+            </a:r>
+            <a:r>
+              <a:rPr lang="en-US" sz="700" smtClean="0"/>
+              <a:t>-1 dan </a:t>
+            </a:r>
+            <a:r>
+              <a:rPr lang="en-US" sz="700"/>
+              <a:t>pita indeks n.</a:t>
+            </a:r>
+          </a:p>
+        </p:txBody>
+      </p:sp>
+      <p:pic>
+        <p:nvPicPr>
+          <p:cNvPr id="9" name="Picture 8"/>
+          <p:cNvPicPr/>
+          <p:nvPr/>
+        </p:nvPicPr>
+        <p:blipFill>
+          <a:blip r:embed="rId5">
+            <a:extLst>
+              <a:ext uri="{28A0092B-C50C-407E-A947-70E740481C1C}">
+                <a14:useLocalDpi xmlns:a14="http://schemas.microsoft.com/office/drawing/2010/main" val="0"/>
+              </a:ext>
+            </a:extLst>
+          </a:blip>
+          <a:stretch>
+            <a:fillRect/>
+          </a:stretch>
+        </p:blipFill>
+        <p:spPr>
+          <a:xfrm>
+            <a:off x="7754977" y="12572731"/>
+            <a:ext cx="2790825" cy="927735"/>
+          </a:xfrm>
+          <a:prstGeom prst="rect">
+            <a:avLst/>
+          </a:prstGeom>
+        </p:spPr>
+      </p:pic>
+      <p:pic>
+        <p:nvPicPr>
+          <p:cNvPr id="10" name="Picture 9"/>
+          <p:cNvPicPr/>
+          <p:nvPr/>
+        </p:nvPicPr>
+        <p:blipFill>
+          <a:blip r:embed="rId6"/>
+          <a:stretch>
+            <a:fillRect/>
+          </a:stretch>
+        </p:blipFill>
+        <p:spPr>
+          <a:xfrm>
+            <a:off x="7708106" y="14172403"/>
+            <a:ext cx="3146425" cy="723900"/>
+          </a:xfrm>
+          <a:prstGeom prst="rect">
+            <a:avLst/>
+          </a:prstGeom>
+        </p:spPr>
+      </p:pic>
+      <p:sp>
+        <p:nvSpPr>
+          <p:cNvPr id="11" name="TextBox 10"/>
+          <p:cNvSpPr txBox="1"/>
+          <p:nvPr/>
+        </p:nvSpPr>
+        <p:spPr>
+          <a:xfrm>
+            <a:off x="7708106" y="14783410"/>
+            <a:ext cx="3358360" cy="630942"/>
+          </a:xfrm>
+          <a:prstGeom prst="rect">
+            <a:avLst/>
+          </a:prstGeom>
+          <a:noFill/>
+        </p:spPr>
+        <p:txBody>
+          <a:bodyPr wrap="square" rtlCol="0">
+            <a:spAutoFit/>
+          </a:bodyPr>
+          <a:lstStyle/>
+          <a:p>
+            <a:r>
+              <a:rPr lang="en-US" sz="700" smtClean="0"/>
+              <a:t>Zt           = Nilai dari </a:t>
+            </a:r>
+            <a:r>
+              <a:rPr lang="en-US" sz="700" i="1" smtClean="0"/>
+              <a:t>time domain zero crossing</a:t>
+            </a:r>
+          </a:p>
+          <a:p>
+            <a:r>
+              <a:rPr lang="en-US" sz="700" smtClean="0"/>
+              <a:t>N</a:t>
+            </a:r>
+            <a:r>
+              <a:rPr lang="en-US" sz="700" i="1" smtClean="0"/>
+              <a:t>            </a:t>
+            </a:r>
+            <a:r>
+              <a:rPr lang="en-US" sz="700" smtClean="0"/>
+              <a:t>= Jumlah pita frekuensi pada spektrum</a:t>
+            </a:r>
+          </a:p>
+          <a:p>
+            <a:r>
+              <a:rPr lang="en-US" sz="700" smtClean="0"/>
+              <a:t>Sign()     = Merupakan fungsi yang bernilai 1 ketika argument bernilai positif, dan 0 ketika argument bernilai negatif.</a:t>
+            </a:r>
+          </a:p>
+          <a:p>
+            <a:r>
+              <a:rPr lang="en-US" sz="700" smtClean="0"/>
+              <a:t>x[n</a:t>
+            </a:r>
+            <a:r>
+              <a:rPr lang="en-US" sz="700"/>
+              <a:t>] </a:t>
+            </a:r>
+            <a:r>
+              <a:rPr lang="en-US" sz="700" smtClean="0"/>
+              <a:t>        = </a:t>
+            </a:r>
+            <a:r>
+              <a:rPr lang="en-US" sz="700" i="1" smtClean="0"/>
+              <a:t>time domain signal </a:t>
+            </a:r>
+            <a:r>
+              <a:rPr lang="en-US" sz="700" smtClean="0"/>
+              <a:t>untuk frame indeks ke t</a:t>
+            </a:r>
+            <a:endParaRPr lang="en-US" sz="700"/>
+          </a:p>
+        </p:txBody>
+      </p:sp>
+    </p:spTree>
+    <p:extLst>
+      <p:ext uri="{BB962C8B-B14F-4D97-AF65-F5344CB8AC3E}">
+        <p14:creationId xmlns:p14="http://schemas.microsoft.com/office/powerpoint/2010/main" val="2703869354"/>
+      </p:ext>
+    </p:extLst>
+  </p:cSld>
+  <p:clrMapOvr>
+    <a:masterClrMapping/>
+  </p:clrMapOvr>
+  <p:timing>
+    <p:tnLst>
+      <p:par>
+        <p:cTn id="1" dur="indefinite" restart="never" nodeType="tmRoot"/>
+      </p:par>
+    </p:tnLst>
+  </p:timing>
+</p:sld>
+</file>
+
+<file path=ppt/slides/slide3.xml><?xml version="1.0" encoding="utf-8"?>
+<p:sld xmlns:a="http://schemas.openxmlformats.org/drawingml/2006/main" xmlns:r="http://schemas.openxmlformats.org/officeDocument/2006/relationships" xmlns:p="http://schemas.openxmlformats.org/presentationml/2006/main">
+  <p:cSld>
+    <p:spTree>
+      <p:nvGrpSpPr>
+        <p:cNvPr id="1" name=""/>
+        <p:cNvGrpSpPr/>
+        <p:nvPr/>
+      </p:nvGrpSpPr>
+      <p:grpSpPr>
+        <a:xfrm>
+          <a:off x="0" y="0"/>
+          <a:ext cx="0" cy="0"/>
+          <a:chOff x="0" y="0"/>
+          <a:chExt cx="0" cy="0"/>
+        </a:xfrm>
+      </p:grpSpPr>
+      <p:sp>
+        <p:nvSpPr>
+          <p:cNvPr id="5" name="Flowchart: Terminator 4"/>
+          <p:cNvSpPr/>
+          <p:nvPr/>
+        </p:nvSpPr>
+        <p:spPr>
+          <a:xfrm>
+            <a:off x="8175158" y="955887"/>
+            <a:ext cx="1718110" cy="794084"/>
+          </a:xfrm>
+          <a:prstGeom prst="flowChartTerminator">
+            <a:avLst/>
+          </a:prstGeom>
         </p:spPr>
         <p:style>
           <a:lnRef idx="2">
@@ -3622,39 +4515,34 @@
           </a:fontRef>
         </p:style>
         <p:txBody>
-          <a:bodyPr wrap="none" rtlCol="0">
-            <a:spAutoFit/>
+          <a:bodyPr rot="0" spcFirstLastPara="0" vertOverflow="overflow" horzOverflow="overflow" vert="horz" wrap="square" lIns="109728" tIns="54864" rIns="109728" bIns="54864" numCol="1" spcCol="0" rtlCol="0" fromWordArt="0" anchor="ctr" anchorCtr="0" forceAA="0" compatLnSpc="1">
+            <a:prstTxWarp prst="textNoShape">
+              <a:avLst/>
+            </a:prstTxWarp>
+            <a:noAutofit/>
           </a:bodyPr>
           <a:lstStyle/>
           <a:p>
-            <a:r>
-              <a:rPr lang="en-US" err="1" smtClean="0"/>
-              <a:t>Komputasi</a:t>
-            </a:r>
-            <a:r>
-              <a:rPr lang="en-US" smtClean="0"/>
-              <a:t> </a:t>
-            </a:r>
-            <a:r>
-              <a:rPr lang="en-US" i="1" smtClean="0"/>
-              <a:t>Offline</a:t>
-            </a:r>
-            <a:endParaRPr lang="en-US" i="1"/>
-          </a:p>
-        </p:txBody>
-      </p:sp>
-      <p:sp>
-        <p:nvSpPr>
-          <p:cNvPr id="40" name="TextBox 39"/>
-          <p:cNvSpPr txBox="1"/>
+            <a:pPr algn="ctr"/>
+            <a:r>
+              <a:rPr lang="en-US" sz="2160"/>
+              <a:t>START</a:t>
+            </a:r>
+          </a:p>
+        </p:txBody>
+      </p:sp>
+      <p:sp>
+        <p:nvSpPr>
+          <p:cNvPr id="6" name="Flowchart: Process 5"/>
+          <p:cNvSpPr/>
           <p:nvPr/>
         </p:nvSpPr>
         <p:spPr>
           <a:xfrm>
-            <a:off x="993301" y="4363700"/>
-            <a:ext cx="4109401" cy="338554"/>
-          </a:xfrm>
-          <a:prstGeom prst="rect">
+            <a:off x="7567909" y="3489737"/>
+            <a:ext cx="2916455" cy="1342724"/>
+          </a:xfrm>
+          <a:prstGeom prst="flowChartProcess">
             <a:avLst/>
           </a:prstGeom>
         </p:spPr>
@@ -3673,32 +4561,34 @@
           </a:fontRef>
         </p:style>
         <p:txBody>
-          <a:bodyPr wrap="square" rtlCol="0">
-            <a:spAutoFit/>
+          <a:bodyPr rot="0" spcFirstLastPara="0" vertOverflow="overflow" horzOverflow="overflow" vert="horz" wrap="square" lIns="109728" tIns="54864" rIns="109728" bIns="54864" numCol="1" spcCol="0" rtlCol="0" fromWordArt="0" anchor="ctr" anchorCtr="0" forceAA="0" compatLnSpc="1">
+            <a:prstTxWarp prst="textNoShape">
+              <a:avLst/>
+            </a:prstTxWarp>
+            <a:noAutofit/>
           </a:bodyPr>
           <a:lstStyle/>
           <a:p>
             <a:pPr algn="ctr"/>
             <a:r>
-              <a:rPr lang="en-US" sz="1600" i="1" smtClean="0"/>
-              <a:t>Overlapping clustering the static data</a:t>
-            </a:r>
-            <a:endParaRPr lang="en-US" sz="1600" i="1"/>
-          </a:p>
-        </p:txBody>
-      </p:sp>
-      <p:sp>
-        <p:nvSpPr>
-          <p:cNvPr id="41" name="TextBox 40"/>
-          <p:cNvSpPr txBox="1"/>
+              <a:rPr lang="en-US" sz="2160"/>
+              <a:t>Proses ekstraksi fitur untuk setiap berkas musik yang akan diolah</a:t>
+            </a:r>
+          </a:p>
+        </p:txBody>
+      </p:sp>
+      <p:sp>
+        <p:nvSpPr>
+          <p:cNvPr id="7" name="Flowchart: Process 6"/>
+          <p:cNvSpPr/>
           <p:nvPr/>
         </p:nvSpPr>
         <p:spPr>
           <a:xfrm>
-            <a:off x="7063899" y="4363700"/>
-            <a:ext cx="4109401" cy="338554"/>
-          </a:xfrm>
-          <a:prstGeom prst="rect">
+            <a:off x="7567909" y="5294478"/>
+            <a:ext cx="2916455" cy="866273"/>
+          </a:xfrm>
+          <a:prstGeom prst="flowChartProcess">
             <a:avLst/>
           </a:prstGeom>
         </p:spPr>
@@ -3717,37 +4607,81 @@
           </a:fontRef>
         </p:style>
         <p:txBody>
-          <a:bodyPr wrap="square" rtlCol="0">
-            <a:spAutoFit/>
+          <a:bodyPr rot="0" spcFirstLastPara="0" vertOverflow="overflow" horzOverflow="overflow" vert="horz" wrap="square" lIns="109728" tIns="54864" rIns="109728" bIns="54864" numCol="1" spcCol="0" rtlCol="0" fromWordArt="0" anchor="ctr" anchorCtr="0" forceAA="0" compatLnSpc="1">
+            <a:prstTxWarp prst="textNoShape">
+              <a:avLst/>
+            </a:prstTxWarp>
+            <a:noAutofit/>
           </a:bodyPr>
           <a:lstStyle/>
           <a:p>
             <a:pPr algn="ctr"/>
             <a:r>
-              <a:rPr lang="en-US" sz="1600" i="1" smtClean="0"/>
-              <a:t>Overlapping clustering the incremental data</a:t>
-            </a:r>
-            <a:endParaRPr lang="en-US" sz="1600" i="1"/>
+              <a:rPr lang="en-US" sz="2160"/>
+              <a:t>Proses </a:t>
+            </a:r>
+            <a:r>
+              <a:rPr lang="en-US" sz="2160" i="1"/>
+              <a:t>initial clustering (</a:t>
+            </a:r>
+            <a:r>
+              <a:rPr lang="en-US" sz="2160"/>
+              <a:t>pengelompokan awal)</a:t>
+            </a:r>
+            <a:endParaRPr lang="en-US" sz="2160" i="1"/>
           </a:p>
         </p:txBody>
       </p:sp>
       <p:cxnSp>
         <p:nvCxnSpPr>
-          <p:cNvPr id="43" name="Straight Connector 42"/>
-          <p:cNvCxnSpPr/>
+          <p:cNvPr id="11" name="Straight Arrow Connector 10"/>
+          <p:cNvCxnSpPr>
+            <a:stCxn id="6" idx="2"/>
+            <a:endCxn id="7" idx="0"/>
+          </p:cNvCxnSpPr>
           <p:nvPr/>
         </p:nvCxnSpPr>
         <p:spPr>
           <a:xfrm>
-            <a:off x="6083300" y="299075"/>
-            <a:ext cx="0" cy="4695825"/>
-          </a:xfrm>
-          <a:prstGeom prst="line">
+            <a:off x="9026133" y="4832465"/>
+            <a:ext cx="0" cy="462013"/>
+          </a:xfrm>
+          <a:prstGeom prst="straightConnector1">
             <a:avLst/>
           </a:prstGeom>
-          <a:ln w="28575">
-            <a:prstDash val="dash"/>
+          <a:ln>
+            <a:tailEnd type="triangle"/>
           </a:ln>
+        </p:spPr>
+        <p:style>
+          <a:lnRef idx="1">
+            <a:schemeClr val="dk1"/>
+          </a:lnRef>
+          <a:fillRef idx="0">
+            <a:schemeClr val="dk1"/>
+          </a:fillRef>
+          <a:effectRef idx="0">
+            <a:schemeClr val="dk1"/>
+          </a:effectRef>
+          <a:fontRef idx="minor">
+            <a:schemeClr val="tx1"/>
+          </a:fontRef>
+        </p:style>
+      </p:cxnSp>
+      <p:sp>
+        <p:nvSpPr>
+          <p:cNvPr id="18" name="Flowchart: Process 17"/>
+          <p:cNvSpPr/>
+          <p:nvPr/>
+        </p:nvSpPr>
+        <p:spPr>
+          <a:xfrm>
+            <a:off x="5893108" y="9988038"/>
+            <a:ext cx="6266051" cy="938462"/>
+          </a:xfrm>
+          <a:prstGeom prst="flowChartProcess">
+            <a:avLst/>
+          </a:prstGeom>
         </p:spPr>
         <p:style>
           <a:lnRef idx="2">
@@ -3763,131 +4697,557 @@
             <a:schemeClr val="dk1"/>
           </a:fontRef>
         </p:style>
-      </p:cxnSp>
-      <p:sp>
-        <p:nvSpPr>
-          <p:cNvPr id="13" name="TextBox 12"/>
-          <p:cNvSpPr txBox="1"/>
+        <p:txBody>
+          <a:bodyPr rot="0" spcFirstLastPara="0" vertOverflow="overflow" horzOverflow="overflow" vert="horz" wrap="square" lIns="109728" tIns="54864" rIns="109728" bIns="54864" numCol="1" spcCol="0" rtlCol="0" fromWordArt="0" anchor="ctr" anchorCtr="0" forceAA="0" compatLnSpc="1">
+            <a:prstTxWarp prst="textNoShape">
+              <a:avLst/>
+            </a:prstTxWarp>
+            <a:noAutofit/>
+          </a:bodyPr>
+          <a:lstStyle/>
+          <a:p>
+            <a:pPr algn="ctr"/>
+            <a:r>
+              <a:rPr lang="en-US" sz="2160"/>
+              <a:t>Proses </a:t>
+            </a:r>
+            <a:r>
+              <a:rPr lang="en-US" sz="2160" i="1"/>
+              <a:t>incremental clustering </a:t>
+            </a:r>
+          </a:p>
+          <a:p>
+            <a:pPr algn="ctr"/>
+            <a:r>
+              <a:rPr lang="en-US" sz="2160" i="1"/>
+              <a:t>(</a:t>
+            </a:r>
+            <a:r>
+              <a:rPr lang="en-US" sz="2160"/>
+              <a:t>pengelompokan pada saat data tambahan di terima)</a:t>
+            </a:r>
+            <a:endParaRPr lang="en-US" sz="2160" i="1"/>
+          </a:p>
+        </p:txBody>
+      </p:sp>
+      <p:sp>
+        <p:nvSpPr>
+          <p:cNvPr id="29" name="Flowchart: Process 28"/>
+          <p:cNvSpPr/>
           <p:nvPr/>
         </p:nvSpPr>
         <p:spPr>
           <a:xfrm>
-            <a:off x="3893064" y="2632273"/>
-            <a:ext cx="697114" cy="307777"/>
-          </a:xfrm>
-          <a:prstGeom prst="rect">
+            <a:off x="5784377" y="11453941"/>
+            <a:ext cx="6483510" cy="938462"/>
+          </a:xfrm>
+          <a:prstGeom prst="flowChartProcess">
             <a:avLst/>
           </a:prstGeom>
-          <a:noFill/>
-        </p:spPr>
-        <p:txBody>
-          <a:bodyPr wrap="none" rtlCol="0">
-            <a:spAutoFit/>
+        </p:spPr>
+        <p:style>
+          <a:lnRef idx="2">
+            <a:schemeClr val="dk1"/>
+          </a:lnRef>
+          <a:fillRef idx="1">
+            <a:schemeClr val="lt1"/>
+          </a:fillRef>
+          <a:effectRef idx="0">
+            <a:schemeClr val="dk1"/>
+          </a:effectRef>
+          <a:fontRef idx="minor">
+            <a:schemeClr val="dk1"/>
+          </a:fontRef>
+        </p:style>
+        <p:txBody>
+          <a:bodyPr rot="0" spcFirstLastPara="0" vertOverflow="overflow" horzOverflow="overflow" vert="horz" wrap="square" lIns="109728" tIns="54864" rIns="109728" bIns="54864" numCol="1" spcCol="0" rtlCol="0" fromWordArt="0" anchor="ctr" anchorCtr="0" forceAA="0" compatLnSpc="1">
+            <a:prstTxWarp prst="textNoShape">
+              <a:avLst/>
+            </a:prstTxWarp>
+            <a:noAutofit/>
           </a:bodyPr>
           <a:lstStyle/>
           <a:p>
-            <a:r>
-              <a:rPr lang="en-US" sz="1400" b="1" i="1" smtClean="0"/>
-              <a:t>Cluster</a:t>
-            </a:r>
-            <a:endParaRPr lang="en-US" sz="1400" b="1" i="1"/>
-          </a:p>
-        </p:txBody>
-      </p:sp>
-      <p:sp>
-        <p:nvSpPr>
-          <p:cNvPr id="28" name="TextBox 27"/>
-          <p:cNvSpPr txBox="1"/>
+            <a:pPr algn="ctr"/>
+            <a:r>
+              <a:rPr lang="en-US" sz="2160"/>
+              <a:t>Proses evaluasi</a:t>
+            </a:r>
+            <a:r>
+              <a:rPr lang="en-US" sz="2160" i="1"/>
+              <a:t> </a:t>
+            </a:r>
+          </a:p>
+          <a:p>
+            <a:pPr algn="ctr"/>
+            <a:r>
+              <a:rPr lang="en-US" sz="2160" i="1"/>
+              <a:t>(</a:t>
+            </a:r>
+            <a:r>
+              <a:rPr lang="en-US" sz="2160"/>
+              <a:t>pengukuran terhadap kualitas </a:t>
+            </a:r>
+            <a:r>
+              <a:rPr lang="en-US" sz="2160" i="1"/>
+              <a:t>cluster</a:t>
+            </a:r>
+            <a:r>
+              <a:rPr lang="en-US" sz="2160"/>
+              <a:t> yang dihasilkan menggunakan metode </a:t>
+            </a:r>
+            <a:r>
+              <a:rPr lang="en-US" sz="2160" i="1"/>
+              <a:t>silhoutte</a:t>
+            </a:r>
+            <a:r>
+              <a:rPr lang="en-US" sz="2160"/>
+              <a:t>)</a:t>
+            </a:r>
+            <a:endParaRPr lang="en-US" sz="2160" i="1"/>
+          </a:p>
+        </p:txBody>
+      </p:sp>
+      <p:sp>
+        <p:nvSpPr>
+          <p:cNvPr id="31" name="Flowchart: Data 30"/>
+          <p:cNvSpPr/>
           <p:nvPr/>
         </p:nvSpPr>
         <p:spPr>
           <a:xfrm>
-            <a:off x="3893064" y="2927351"/>
-            <a:ext cx="644728" cy="307777"/>
-          </a:xfrm>
-          <a:prstGeom prst="rect">
+            <a:off x="7493160" y="2204764"/>
+            <a:ext cx="3082106" cy="822960"/>
+          </a:xfrm>
+          <a:prstGeom prst="flowChartInputOutput">
             <a:avLst/>
           </a:prstGeom>
-          <a:noFill/>
-        </p:spPr>
-        <p:txBody>
-          <a:bodyPr wrap="none" rtlCol="0">
-            <a:spAutoFit/>
+        </p:spPr>
+        <p:style>
+          <a:lnRef idx="2">
+            <a:schemeClr val="dk1"/>
+          </a:lnRef>
+          <a:fillRef idx="1">
+            <a:schemeClr val="lt1"/>
+          </a:fillRef>
+          <a:effectRef idx="0">
+            <a:schemeClr val="dk1"/>
+          </a:effectRef>
+          <a:fontRef idx="minor">
+            <a:schemeClr val="dk1"/>
+          </a:fontRef>
+        </p:style>
+        <p:txBody>
+          <a:bodyPr rot="0" spcFirstLastPara="0" vertOverflow="overflow" horzOverflow="overflow" vert="horz" wrap="square" lIns="109728" tIns="54864" rIns="109728" bIns="54864" numCol="1" spcCol="0" rtlCol="0" fromWordArt="0" anchor="ctr" anchorCtr="0" forceAA="0" compatLnSpc="1">
+            <a:prstTxWarp prst="textNoShape">
+              <a:avLst/>
+            </a:prstTxWarp>
+            <a:noAutofit/>
           </a:bodyPr>
           <a:lstStyle/>
           <a:p>
-            <a:r>
-              <a:rPr lang="en-US" sz="1400" b="1" i="1" smtClean="0"/>
-              <a:t>Graph</a:t>
-            </a:r>
-            <a:endParaRPr lang="en-US" sz="1400" b="1" i="1"/>
-          </a:p>
-        </p:txBody>
-      </p:sp>
-      <p:sp>
-        <p:nvSpPr>
-          <p:cNvPr id="30" name="TextBox 29"/>
-          <p:cNvSpPr txBox="1"/>
+            <a:pPr algn="ctr"/>
+            <a:r>
+              <a:rPr lang="en-US" sz="2160"/>
+              <a:t>Berkas musik bertipe .wav</a:t>
+            </a:r>
+          </a:p>
+        </p:txBody>
+      </p:sp>
+      <p:cxnSp>
+        <p:nvCxnSpPr>
+          <p:cNvPr id="35" name="Straight Arrow Connector 34"/>
+          <p:cNvCxnSpPr>
+            <a:stCxn id="5" idx="2"/>
+            <a:endCxn id="31" idx="1"/>
+          </p:cNvCxnSpPr>
           <p:nvPr/>
-        </p:nvSpPr>
-        <p:spPr>
-          <a:xfrm>
-            <a:off x="11391900" y="2622945"/>
-            <a:ext cx="697114" cy="307777"/>
-          </a:xfrm>
-          <a:prstGeom prst="rect">
+        </p:nvCxnSpPr>
+        <p:spPr>
+          <a:xfrm>
+            <a:off x="9034213" y="1749973"/>
+            <a:ext cx="0" cy="454793"/>
+          </a:xfrm>
+          <a:prstGeom prst="straightConnector1">
             <a:avLst/>
           </a:prstGeom>
-          <a:noFill/>
-        </p:spPr>
-        <p:txBody>
-          <a:bodyPr wrap="none" rtlCol="0">
-            <a:spAutoFit/>
-          </a:bodyPr>
-          <a:lstStyle/>
-          <a:p>
-            <a:r>
-              <a:rPr lang="en-US" sz="1400" b="1" i="1" smtClean="0"/>
-              <a:t>Cluster</a:t>
-            </a:r>
-            <a:endParaRPr lang="en-US" sz="1400" b="1" i="1"/>
-          </a:p>
-        </p:txBody>
-      </p:sp>
-      <p:sp>
-        <p:nvSpPr>
-          <p:cNvPr id="31" name="TextBox 30"/>
-          <p:cNvSpPr txBox="1"/>
+          <a:ln>
+            <a:tailEnd type="triangle"/>
+          </a:ln>
+        </p:spPr>
+        <p:style>
+          <a:lnRef idx="1">
+            <a:schemeClr val="dk1"/>
+          </a:lnRef>
+          <a:fillRef idx="0">
+            <a:schemeClr val="dk1"/>
+          </a:fillRef>
+          <a:effectRef idx="0">
+            <a:schemeClr val="dk1"/>
+          </a:effectRef>
+          <a:fontRef idx="minor">
+            <a:schemeClr val="tx1"/>
+          </a:fontRef>
+        </p:style>
+      </p:cxnSp>
+      <p:cxnSp>
+        <p:nvCxnSpPr>
+          <p:cNvPr id="37" name="Straight Arrow Connector 36"/>
+          <p:cNvCxnSpPr>
+            <a:stCxn id="31" idx="4"/>
+            <a:endCxn id="6" idx="0"/>
+          </p:cNvCxnSpPr>
           <p:nvPr/>
-        </p:nvSpPr>
-        <p:spPr>
-          <a:xfrm>
-            <a:off x="11391900" y="2918023"/>
-            <a:ext cx="644728" cy="307777"/>
-          </a:xfrm>
-          <a:prstGeom prst="rect">
+        </p:nvCxnSpPr>
+        <p:spPr>
+          <a:xfrm flipH="1">
+            <a:off x="9026135" y="3027726"/>
+            <a:ext cx="8078" cy="462013"/>
+          </a:xfrm>
+          <a:prstGeom prst="straightConnector1">
             <a:avLst/>
           </a:prstGeom>
-          <a:noFill/>
-        </p:spPr>
-        <p:txBody>
-          <a:bodyPr wrap="none" rtlCol="0">
-            <a:spAutoFit/>
+          <a:ln>
+            <a:tailEnd type="triangle"/>
+          </a:ln>
+        </p:spPr>
+        <p:style>
+          <a:lnRef idx="1">
+            <a:schemeClr val="dk1"/>
+          </a:lnRef>
+          <a:fillRef idx="0">
+            <a:schemeClr val="dk1"/>
+          </a:fillRef>
+          <a:effectRef idx="0">
+            <a:schemeClr val="dk1"/>
+          </a:effectRef>
+          <a:fontRef idx="minor">
+            <a:schemeClr val="tx1"/>
+          </a:fontRef>
+        </p:style>
+      </p:cxnSp>
+      <p:sp>
+        <p:nvSpPr>
+          <p:cNvPr id="43" name="Flowchart: Terminator 42"/>
+          <p:cNvSpPr/>
+          <p:nvPr/>
+        </p:nvSpPr>
+        <p:spPr>
+          <a:xfrm>
+            <a:off x="8175158" y="12919844"/>
+            <a:ext cx="1718110" cy="794084"/>
+          </a:xfrm>
+          <a:prstGeom prst="flowChartTerminator">
+            <a:avLst/>
+          </a:prstGeom>
+        </p:spPr>
+        <p:style>
+          <a:lnRef idx="2">
+            <a:schemeClr val="dk1"/>
+          </a:lnRef>
+          <a:fillRef idx="1">
+            <a:schemeClr val="lt1"/>
+          </a:fillRef>
+          <a:effectRef idx="0">
+            <a:schemeClr val="dk1"/>
+          </a:effectRef>
+          <a:fontRef idx="minor">
+            <a:schemeClr val="dk1"/>
+          </a:fontRef>
+        </p:style>
+        <p:txBody>
+          <a:bodyPr rot="0" spcFirstLastPara="0" vertOverflow="overflow" horzOverflow="overflow" vert="horz" wrap="square" lIns="109728" tIns="54864" rIns="109728" bIns="54864" numCol="1" spcCol="0" rtlCol="0" fromWordArt="0" anchor="ctr" anchorCtr="0" forceAA="0" compatLnSpc="1">
+            <a:prstTxWarp prst="textNoShape">
+              <a:avLst/>
+            </a:prstTxWarp>
+            <a:noAutofit/>
           </a:bodyPr>
           <a:lstStyle/>
           <a:p>
-            <a:r>
-              <a:rPr lang="en-US" sz="1400" b="1" i="1" smtClean="0"/>
-              <a:t>Graph</a:t>
-            </a:r>
-            <a:endParaRPr lang="en-US" sz="1400" b="1" i="1"/>
-          </a:p>
-        </p:txBody>
-      </p:sp>
+            <a:pPr algn="ctr"/>
+            <a:r>
+              <a:rPr lang="en-US" sz="2160"/>
+              <a:t>END</a:t>
+            </a:r>
+          </a:p>
+        </p:txBody>
+      </p:sp>
+      <p:cxnSp>
+        <p:nvCxnSpPr>
+          <p:cNvPr id="45" name="Straight Arrow Connector 44"/>
+          <p:cNvCxnSpPr>
+            <a:stCxn id="18" idx="2"/>
+            <a:endCxn id="29" idx="0"/>
+          </p:cNvCxnSpPr>
+          <p:nvPr/>
+        </p:nvCxnSpPr>
+        <p:spPr>
+          <a:xfrm>
+            <a:off x="9026132" y="10926502"/>
+            <a:ext cx="0" cy="527441"/>
+          </a:xfrm>
+          <a:prstGeom prst="straightConnector1">
+            <a:avLst/>
+          </a:prstGeom>
+          <a:ln>
+            <a:tailEnd type="triangle"/>
+          </a:ln>
+        </p:spPr>
+        <p:style>
+          <a:lnRef idx="1">
+            <a:schemeClr val="dk1"/>
+          </a:lnRef>
+          <a:fillRef idx="0">
+            <a:schemeClr val="dk1"/>
+          </a:fillRef>
+          <a:effectRef idx="0">
+            <a:schemeClr val="dk1"/>
+          </a:effectRef>
+          <a:fontRef idx="minor">
+            <a:schemeClr val="tx1"/>
+          </a:fontRef>
+        </p:style>
+      </p:cxnSp>
+      <p:cxnSp>
+        <p:nvCxnSpPr>
+          <p:cNvPr id="47" name="Straight Arrow Connector 46"/>
+          <p:cNvCxnSpPr>
+            <a:stCxn id="29" idx="2"/>
+            <a:endCxn id="43" idx="0"/>
+          </p:cNvCxnSpPr>
+          <p:nvPr/>
+        </p:nvCxnSpPr>
+        <p:spPr>
+          <a:xfrm>
+            <a:off x="9026134" y="12392405"/>
+            <a:ext cx="8081" cy="527441"/>
+          </a:xfrm>
+          <a:prstGeom prst="straightConnector1">
+            <a:avLst/>
+          </a:prstGeom>
+          <a:ln>
+            <a:tailEnd type="triangle"/>
+          </a:ln>
+        </p:spPr>
+        <p:style>
+          <a:lnRef idx="1">
+            <a:schemeClr val="dk1"/>
+          </a:lnRef>
+          <a:fillRef idx="0">
+            <a:schemeClr val="dk1"/>
+          </a:fillRef>
+          <a:effectRef idx="0">
+            <a:schemeClr val="dk1"/>
+          </a:effectRef>
+          <a:fontRef idx="minor">
+            <a:schemeClr val="tx1"/>
+          </a:fontRef>
+        </p:style>
+      </p:cxnSp>
+      <p:sp>
+        <p:nvSpPr>
+          <p:cNvPr id="53" name="Flowchart: Data 52"/>
+          <p:cNvSpPr/>
+          <p:nvPr/>
+        </p:nvSpPr>
+        <p:spPr>
+          <a:xfrm>
+            <a:off x="7061524" y="6685368"/>
+            <a:ext cx="3929218" cy="981860"/>
+          </a:xfrm>
+          <a:prstGeom prst="flowChartInputOutput">
+            <a:avLst/>
+          </a:prstGeom>
+        </p:spPr>
+        <p:style>
+          <a:lnRef idx="2">
+            <a:schemeClr val="dk1"/>
+          </a:lnRef>
+          <a:fillRef idx="1">
+            <a:schemeClr val="lt1"/>
+          </a:fillRef>
+          <a:effectRef idx="0">
+            <a:schemeClr val="dk1"/>
+          </a:effectRef>
+          <a:fontRef idx="minor">
+            <a:schemeClr val="dk1"/>
+          </a:fontRef>
+        </p:style>
+        <p:txBody>
+          <a:bodyPr rot="0" spcFirstLastPara="0" vertOverflow="overflow" horzOverflow="overflow" vert="horz" wrap="square" lIns="109728" tIns="54864" rIns="109728" bIns="54864" numCol="1" spcCol="0" rtlCol="0" fromWordArt="0" anchor="ctr" anchorCtr="0" forceAA="0" compatLnSpc="1">
+            <a:prstTxWarp prst="textNoShape">
+              <a:avLst/>
+            </a:prstTxWarp>
+            <a:noAutofit/>
+          </a:bodyPr>
+          <a:lstStyle/>
+          <a:p>
+            <a:pPr algn="ctr"/>
+            <a:r>
+              <a:rPr lang="en-US" sz="2160"/>
+              <a:t>Berkas musik tambahan bertipe .wav</a:t>
+            </a:r>
+          </a:p>
+        </p:txBody>
+      </p:sp>
+      <p:cxnSp>
+        <p:nvCxnSpPr>
+          <p:cNvPr id="61" name="Straight Arrow Connector 60"/>
+          <p:cNvCxnSpPr>
+            <a:stCxn id="7" idx="2"/>
+            <a:endCxn id="53" idx="1"/>
+          </p:cNvCxnSpPr>
+          <p:nvPr/>
+        </p:nvCxnSpPr>
+        <p:spPr>
+          <a:xfrm flipH="1">
+            <a:off x="9026133" y="6160751"/>
+            <a:ext cx="2" cy="524619"/>
+          </a:xfrm>
+          <a:prstGeom prst="straightConnector1">
+            <a:avLst/>
+          </a:prstGeom>
+          <a:ln>
+            <a:tailEnd type="triangle"/>
+          </a:ln>
+        </p:spPr>
+        <p:style>
+          <a:lnRef idx="1">
+            <a:schemeClr val="dk1"/>
+          </a:lnRef>
+          <a:fillRef idx="0">
+            <a:schemeClr val="dk1"/>
+          </a:fillRef>
+          <a:effectRef idx="0">
+            <a:schemeClr val="dk1"/>
+          </a:effectRef>
+          <a:fontRef idx="minor">
+            <a:schemeClr val="tx1"/>
+          </a:fontRef>
+        </p:style>
+      </p:cxnSp>
+      <p:sp>
+        <p:nvSpPr>
+          <p:cNvPr id="64" name="Flowchart: Process 63"/>
+          <p:cNvSpPr/>
+          <p:nvPr/>
+        </p:nvSpPr>
+        <p:spPr>
+          <a:xfrm>
+            <a:off x="7575986" y="8191847"/>
+            <a:ext cx="2916455" cy="1342724"/>
+          </a:xfrm>
+          <a:prstGeom prst="flowChartProcess">
+            <a:avLst/>
+          </a:prstGeom>
+        </p:spPr>
+        <p:style>
+          <a:lnRef idx="2">
+            <a:schemeClr val="dk1"/>
+          </a:lnRef>
+          <a:fillRef idx="1">
+            <a:schemeClr val="lt1"/>
+          </a:fillRef>
+          <a:effectRef idx="0">
+            <a:schemeClr val="dk1"/>
+          </a:effectRef>
+          <a:fontRef idx="minor">
+            <a:schemeClr val="dk1"/>
+          </a:fontRef>
+        </p:style>
+        <p:txBody>
+          <a:bodyPr rot="0" spcFirstLastPara="0" vertOverflow="overflow" horzOverflow="overflow" vert="horz" wrap="square" lIns="109728" tIns="54864" rIns="109728" bIns="54864" numCol="1" spcCol="0" rtlCol="0" fromWordArt="0" anchor="ctr" anchorCtr="0" forceAA="0" compatLnSpc="1">
+            <a:prstTxWarp prst="textNoShape">
+              <a:avLst/>
+            </a:prstTxWarp>
+            <a:noAutofit/>
+          </a:bodyPr>
+          <a:lstStyle/>
+          <a:p>
+            <a:pPr algn="ctr"/>
+            <a:r>
+              <a:rPr lang="en-US" sz="2160"/>
+              <a:t>Proses ekstraksi fitur untuk setiap berkas musik yang akan diolah</a:t>
+            </a:r>
+          </a:p>
+        </p:txBody>
+      </p:sp>
+      <p:cxnSp>
+        <p:nvCxnSpPr>
+          <p:cNvPr id="66" name="Straight Arrow Connector 65"/>
+          <p:cNvCxnSpPr>
+            <a:stCxn id="53" idx="4"/>
+            <a:endCxn id="64" idx="0"/>
+          </p:cNvCxnSpPr>
+          <p:nvPr/>
+        </p:nvCxnSpPr>
+        <p:spPr>
+          <a:xfrm>
+            <a:off x="9026135" y="7667230"/>
+            <a:ext cx="8079" cy="524619"/>
+          </a:xfrm>
+          <a:prstGeom prst="straightConnector1">
+            <a:avLst/>
+          </a:prstGeom>
+          <a:ln>
+            <a:tailEnd type="triangle"/>
+          </a:ln>
+        </p:spPr>
+        <p:style>
+          <a:lnRef idx="1">
+            <a:schemeClr val="dk1"/>
+          </a:lnRef>
+          <a:fillRef idx="0">
+            <a:schemeClr val="dk1"/>
+          </a:fillRef>
+          <a:effectRef idx="0">
+            <a:schemeClr val="dk1"/>
+          </a:effectRef>
+          <a:fontRef idx="minor">
+            <a:schemeClr val="tx1"/>
+          </a:fontRef>
+        </p:style>
+      </p:cxnSp>
+      <p:cxnSp>
+        <p:nvCxnSpPr>
+          <p:cNvPr id="73" name="Straight Arrow Connector 72"/>
+          <p:cNvCxnSpPr>
+            <a:stCxn id="64" idx="2"/>
+            <a:endCxn id="18" idx="0"/>
+          </p:cNvCxnSpPr>
+          <p:nvPr/>
+        </p:nvCxnSpPr>
+        <p:spPr>
+          <a:xfrm flipH="1">
+            <a:off x="9026132" y="9534573"/>
+            <a:ext cx="8080" cy="453467"/>
+          </a:xfrm>
+          <a:prstGeom prst="straightConnector1">
+            <a:avLst/>
+          </a:prstGeom>
+          <a:ln>
+            <a:tailEnd type="triangle"/>
+          </a:ln>
+        </p:spPr>
+        <p:style>
+          <a:lnRef idx="1">
+            <a:schemeClr val="dk1"/>
+          </a:lnRef>
+          <a:fillRef idx="0">
+            <a:schemeClr val="dk1"/>
+          </a:fillRef>
+          <a:effectRef idx="0">
+            <a:schemeClr val="dk1"/>
+          </a:effectRef>
+          <a:fontRef idx="minor">
+            <a:schemeClr val="tx1"/>
+          </a:fontRef>
+        </p:style>
+      </p:cxnSp>
     </p:spTree>
     <p:extLst>
       <p:ext uri="{BB962C8B-B14F-4D97-AF65-F5344CB8AC3E}">
-        <p14:creationId xmlns:p14="http://schemas.microsoft.com/office/powerpoint/2010/main" val="2891494125"/>
+        <p14:creationId xmlns:p14="http://schemas.microsoft.com/office/powerpoint/2010/main" val="1349815754"/>
       </p:ext>
     </p:extLst>
   </p:cSld>
@@ -3900,7 +5260,7 @@
 <file path=ppt/theme/theme1.xml><?xml version="1.0" encoding="utf-8"?>
 <a:theme xmlns:a="http://schemas.openxmlformats.org/drawingml/2006/main" name="Office Theme">
   <a:themeElements>
-    <a:clrScheme name="Office">
+    <a:clrScheme name="Office Theme">
       <a:dk1>
         <a:sysClr val="windowText" lastClr="000000"/>
       </a:dk1>
@@ -3938,7 +5298,7 @@
         <a:srgbClr val="954F72"/>
       </a:folHlink>
     </a:clrScheme>
-    <a:fontScheme name="Office">
+    <a:fontScheme name="Office Theme">
       <a:majorFont>
         <a:latin typeface="Calibri Light" panose="020F0302020204030204"/>
         <a:ea typeface=""/>
@@ -4010,7 +5370,7 @@
         <a:font script="Geor" typeface="Sylfaen"/>
       </a:minorFont>
     </a:fontScheme>
-    <a:fmtScheme name="Office">
+    <a:fmtScheme name="Office Theme">
       <a:fillStyleLst>
         <a:solidFill>
           <a:schemeClr val="phClr"/>
